--- a/PPT/sulivan_public_template.pptx
+++ b/PPT/sulivan_public_template.pptx
@@ -5,12 +5,14 @@
     <p:sldMasterId id="2147483686" r:id="rId1"/>
   </p:sldMasterIdLst>
   <p:notesMasterIdLst>
-    <p:notesMasterId r:id="rId5"/>
+    <p:notesMasterId r:id="rId7"/>
   </p:notesMasterIdLst>
   <p:sldIdLst>
-    <p:sldId id="263" r:id="rId2"/>
-    <p:sldId id="264" r:id="rId3"/>
-    <p:sldId id="265" r:id="rId4"/>
+    <p:sldId id="284" r:id="rId2"/>
+    <p:sldId id="285" r:id="rId3"/>
+    <p:sldId id="286" r:id="rId4"/>
+    <p:sldId id="287" r:id="rId5"/>
+    <p:sldId id="288" r:id="rId6"/>
   </p:sldIdLst>
   <p:sldSz cx="12192000" cy="6858000"/>
   <p:notesSz cx="6858000" cy="9144000"/>
@@ -199,7 +201,7 @@
           <a:p>
             <a:fld id="{B8039FB8-6F18-436D-9454-D1944E32D5DF}" type="datetimeFigureOut">
               <a:rPr lang="ko-KR" altLang="en-US" smtClean="0"/>
-              <a:t>2017-11-04</a:t>
+              <a:t>2017-11-15</a:t>
             </a:fld>
             <a:endParaRPr lang="ko-KR" altLang="en-US"/>
           </a:p>
@@ -1473,16 +1475,8 @@
 </file>
 
 <file path=ppt/slideLayouts/slideLayout5.xml><?xml version="1.0" encoding="utf-8"?>
-<p:sldLayout xmlns:a="http://schemas.openxmlformats.org/drawingml/2006/main" xmlns:r="http://schemas.openxmlformats.org/officeDocument/2006/relationships" xmlns:p="http://schemas.openxmlformats.org/presentationml/2006/main" showMasterSp="0" preserve="1" userDrawn="1">
-  <p:cSld name="사용자 지정 레이아웃">
-    <p:bg>
-      <p:bgPr>
-        <a:solidFill>
-          <a:schemeClr val="bg1"/>
-        </a:solidFill>
-        <a:effectLst/>
-      </p:bgPr>
-    </p:bg>
+<p:sldLayout xmlns:a="http://schemas.openxmlformats.org/drawingml/2006/main" xmlns:r="http://schemas.openxmlformats.org/officeDocument/2006/relationships" xmlns:p="http://schemas.openxmlformats.org/presentationml/2006/main" preserve="1" userDrawn="1">
+  <p:cSld name="3_사용자 지정 레이아웃">
     <p:spTree>
       <p:nvGrpSpPr>
         <p:cNvPr id="1" name=""/>
@@ -1499,7 +1493,7 @@
       </p:grpSpPr>
       <p:sp>
         <p:nvSpPr>
-          <p:cNvPr id="8" name="직사각형 7"/>
+          <p:cNvPr id="6" name="직사각형 5"/>
           <p:cNvSpPr/>
           <p:nvPr userDrawn="1"/>
         </p:nvSpPr>
@@ -1554,6 +1548,519 @@
       </p:sp>
       <p:sp>
         <p:nvSpPr>
+          <p:cNvPr id="2" name="제목 1"/>
+          <p:cNvSpPr>
+            <a:spLocks noGrp="1"/>
+          </p:cNvSpPr>
+          <p:nvPr>
+            <p:ph type="title" hasCustomPrompt="1"/>
+          </p:nvPr>
+        </p:nvSpPr>
+        <p:spPr>
+          <a:xfrm>
+            <a:off x="838200" y="815068"/>
+            <a:ext cx="10515600" cy="4395561"/>
+          </a:xfrm>
+        </p:spPr>
+        <p:txBody>
+          <a:bodyPr>
+            <a:normAutofit/>
+          </a:bodyPr>
+          <a:lstStyle>
+            <a:lvl1pPr algn="ctr">
+              <a:defRPr sz="11500"/>
+            </a:lvl1pPr>
+          </a:lstStyle>
+          <a:p>
+            <a:r>
+              <a:rPr lang="ko-KR" altLang="en-US" smtClean="0"/>
+              <a:t>주제</a:t>
+            </a:r>
+            <a:endParaRPr lang="ko-KR" altLang="en-US" dirty="0"/>
+          </a:p>
+        </p:txBody>
+      </p:sp>
+      <p:sp>
+        <p:nvSpPr>
+          <p:cNvPr id="3" name="날짜 개체 틀 2"/>
+          <p:cNvSpPr>
+            <a:spLocks noGrp="1"/>
+          </p:cNvSpPr>
+          <p:nvPr>
+            <p:ph type="dt" sz="half" idx="10"/>
+          </p:nvPr>
+        </p:nvSpPr>
+        <p:spPr/>
+        <p:txBody>
+          <a:bodyPr/>
+          <a:lstStyle/>
+          <a:p>
+            <a:r>
+              <a:rPr lang="en-US" altLang="ko-KR" smtClean="0"/>
+              <a:t>2017</a:t>
+            </a:r>
+            <a:endParaRPr lang="ko-KR" altLang="en-US" dirty="0"/>
+          </a:p>
+        </p:txBody>
+      </p:sp>
+      <p:sp>
+        <p:nvSpPr>
+          <p:cNvPr id="4" name="바닥글 개체 틀 3"/>
+          <p:cNvSpPr>
+            <a:spLocks noGrp="1"/>
+          </p:cNvSpPr>
+          <p:nvPr>
+            <p:ph type="ftr" sz="quarter" idx="11"/>
+          </p:nvPr>
+        </p:nvSpPr>
+        <p:spPr/>
+        <p:txBody>
+          <a:bodyPr/>
+          <a:lstStyle/>
+          <a:p>
+            <a:r>
+              <a:rPr lang="en-US" altLang="ko-KR" smtClean="0"/>
+              <a:t>C#</a:t>
+            </a:r>
+            <a:r>
+              <a:rPr lang="ko-KR" altLang="en-US" smtClean="0"/>
+              <a:t>으로 클리커 게임 만들기</a:t>
+            </a:r>
+            <a:endParaRPr lang="ko-KR" altLang="en-US" dirty="0"/>
+          </a:p>
+        </p:txBody>
+      </p:sp>
+      <p:sp>
+        <p:nvSpPr>
+          <p:cNvPr id="5" name="슬라이드 번호 개체 틀 4"/>
+          <p:cNvSpPr>
+            <a:spLocks noGrp="1"/>
+          </p:cNvSpPr>
+          <p:nvPr>
+            <p:ph type="sldNum" sz="quarter" idx="12"/>
+          </p:nvPr>
+        </p:nvSpPr>
+        <p:spPr/>
+        <p:txBody>
+          <a:bodyPr/>
+          <a:lstStyle/>
+          <a:p>
+            <a:fld id="{BD08BC78-7EC0-4DE2-90D3-46ED29523797}" type="slidenum">
+              <a:rPr lang="ko-KR" altLang="en-US" smtClean="0"/>
+              <a:pPr/>
+              <a:t>‹#›</a:t>
+            </a:fld>
+            <a:endParaRPr lang="ko-KR" altLang="en-US"/>
+          </a:p>
+        </p:txBody>
+      </p:sp>
+      <p:pic>
+        <p:nvPicPr>
+          <p:cNvPr id="9" name="그림 8"/>
+          <p:cNvPicPr>
+            <a:picLocks noChangeAspect="1"/>
+          </p:cNvPicPr>
+          <p:nvPr userDrawn="1"/>
+        </p:nvPicPr>
+        <p:blipFill>
+          <a:blip r:embed="rId2" cstate="print">
+            <a:extLst>
+              <a:ext uri="{28A0092B-C50C-407E-A947-70E740481C1C}">
+                <a14:useLocalDpi xmlns:a14="http://schemas.microsoft.com/office/drawing/2010/main" val="0"/>
+              </a:ext>
+            </a:extLst>
+          </a:blip>
+          <a:stretch>
+            <a:fillRect/>
+          </a:stretch>
+        </p:blipFill>
+        <p:spPr>
+          <a:xfrm>
+            <a:off x="237345" y="231488"/>
+            <a:ext cx="1476003" cy="670033"/>
+          </a:xfrm>
+          <a:prstGeom prst="rect">
+            <a:avLst/>
+          </a:prstGeom>
+        </p:spPr>
+      </p:pic>
+      <p:sp>
+        <p:nvSpPr>
+          <p:cNvPr id="8" name="텍스트 개체 틀 7"/>
+          <p:cNvSpPr>
+            <a:spLocks noGrp="1"/>
+          </p:cNvSpPr>
+          <p:nvPr>
+            <p:ph type="body" sz="quarter" idx="13" hasCustomPrompt="1"/>
+          </p:nvPr>
+        </p:nvSpPr>
+        <p:spPr>
+          <a:xfrm>
+            <a:off x="4330980" y="4364614"/>
+            <a:ext cx="3530040" cy="341632"/>
+          </a:xfrm>
+        </p:spPr>
+        <p:txBody>
+          <a:bodyPr>
+            <a:spAutoFit/>
+          </a:bodyPr>
+          <a:lstStyle>
+            <a:lvl1pPr marL="0" indent="0" algn="ctr">
+              <a:buNone/>
+              <a:defRPr sz="1800">
+                <a:latin typeface="+mn-lt"/>
+              </a:defRPr>
+            </a:lvl1pPr>
+          </a:lstStyle>
+          <a:p>
+            <a:pPr lvl="0"/>
+            <a:r>
+              <a:rPr lang="ko-KR" altLang="en-US" dirty="0" err="1" smtClean="0"/>
+              <a:t>부주제</a:t>
+            </a:r>
+            <a:endParaRPr lang="ko-KR" altLang="en-US" dirty="0"/>
+          </a:p>
+        </p:txBody>
+      </p:sp>
+    </p:spTree>
+    <p:extLst>
+      <p:ext uri="{BB962C8B-B14F-4D97-AF65-F5344CB8AC3E}">
+        <p14:creationId xmlns:p14="http://schemas.microsoft.com/office/powerpoint/2010/main" val="2550648483"/>
+      </p:ext>
+    </p:extLst>
+  </p:cSld>
+  <p:clrMapOvr>
+    <a:masterClrMapping/>
+  </p:clrMapOvr>
+  <p:timing>
+    <p:tnLst>
+      <p:par>
+        <p:cTn id="1" dur="indefinite" restart="never" nodeType="tmRoot"/>
+      </p:par>
+    </p:tnLst>
+  </p:timing>
+</p:sldLayout>
+</file>
+
+<file path=ppt/slideLayouts/slideLayout6.xml><?xml version="1.0" encoding="utf-8"?>
+<p:sldLayout xmlns:a="http://schemas.openxmlformats.org/drawingml/2006/main" xmlns:r="http://schemas.openxmlformats.org/officeDocument/2006/relationships" xmlns:p="http://schemas.openxmlformats.org/presentationml/2006/main" preserve="1" userDrawn="1">
+  <p:cSld name="쉬는시간">
+    <p:spTree>
+      <p:nvGrpSpPr>
+        <p:cNvPr id="1" name=""/>
+        <p:cNvGrpSpPr/>
+        <p:nvPr/>
+      </p:nvGrpSpPr>
+      <p:grpSpPr>
+        <a:xfrm>
+          <a:off x="0" y="0"/>
+          <a:ext cx="0" cy="0"/>
+          <a:chOff x="0" y="0"/>
+          <a:chExt cx="0" cy="0"/>
+        </a:xfrm>
+      </p:grpSpPr>
+      <p:pic>
+        <p:nvPicPr>
+          <p:cNvPr id="4098" name="Picture 2" descr="http://mblogthumb4.phinf.naver.net/20110316_191/yangjin5535_1300245204127tV0L7_JPEG/33333.jpg?type=w2"/>
+          <p:cNvPicPr>
+            <a:picLocks noChangeAspect="1" noChangeArrowheads="1"/>
+          </p:cNvPicPr>
+          <p:nvPr userDrawn="1"/>
+        </p:nvPicPr>
+        <p:blipFill>
+          <a:blip r:embed="rId2">
+            <a:extLst>
+              <a:ext uri="{28A0092B-C50C-407E-A947-70E740481C1C}">
+                <a14:useLocalDpi xmlns:a14="http://schemas.microsoft.com/office/drawing/2010/main" val="0"/>
+              </a:ext>
+            </a:extLst>
+          </a:blip>
+          <a:srcRect/>
+          <a:stretch>
+            <a:fillRect/>
+          </a:stretch>
+        </p:blipFill>
+        <p:spPr bwMode="auto">
+          <a:xfrm>
+            <a:off x="1" y="-1961354"/>
+            <a:ext cx="12192000" cy="7974227"/>
+          </a:xfrm>
+          <a:prstGeom prst="rect">
+            <a:avLst/>
+          </a:prstGeom>
+          <a:noFill/>
+          <a:extLst>
+            <a:ext uri="{909E8E84-426E-40DD-AFC4-6F175D3DCCD1}">
+              <a14:hiddenFill xmlns:a14="http://schemas.microsoft.com/office/drawing/2010/main">
+                <a:solidFill>
+                  <a:srgbClr val="FFFFFF"/>
+                </a:solidFill>
+              </a14:hiddenFill>
+            </a:ext>
+          </a:extLst>
+        </p:spPr>
+      </p:pic>
+      <p:sp>
+        <p:nvSpPr>
+          <p:cNvPr id="6" name="직사각형 5"/>
+          <p:cNvSpPr/>
+          <p:nvPr userDrawn="1"/>
+        </p:nvSpPr>
+        <p:spPr>
+          <a:xfrm>
+            <a:off x="0" y="6012873"/>
+            <a:ext cx="12192000" cy="845127"/>
+          </a:xfrm>
+          <a:prstGeom prst="rect">
+            <a:avLst/>
+          </a:prstGeom>
+          <a:gradFill flip="none" rotWithShape="1">
+            <a:gsLst>
+              <a:gs pos="0">
+                <a:srgbClr val="0EC4AC"/>
+              </a:gs>
+              <a:gs pos="100000">
+                <a:srgbClr val="139DBE"/>
+              </a:gs>
+            </a:gsLst>
+            <a:lin ang="0" scaled="1"/>
+            <a:tileRect/>
+          </a:gradFill>
+          <a:ln>
+            <a:noFill/>
+          </a:ln>
+        </p:spPr>
+        <p:style>
+          <a:lnRef idx="2">
+            <a:schemeClr val="accent1">
+              <a:shade val="50000"/>
+            </a:schemeClr>
+          </a:lnRef>
+          <a:fillRef idx="1">
+            <a:schemeClr val="accent1"/>
+          </a:fillRef>
+          <a:effectRef idx="0">
+            <a:schemeClr val="accent1"/>
+          </a:effectRef>
+          <a:fontRef idx="minor">
+            <a:schemeClr val="lt1"/>
+          </a:fontRef>
+        </p:style>
+        <p:txBody>
+          <a:bodyPr rtlCol="0" anchor="ctr"/>
+          <a:lstStyle/>
+          <a:p>
+            <a:pPr algn="ctr"/>
+            <a:endParaRPr lang="ko-KR" altLang="en-US"/>
+          </a:p>
+        </p:txBody>
+      </p:sp>
+      <p:sp>
+        <p:nvSpPr>
+          <p:cNvPr id="3" name="날짜 개체 틀 2"/>
+          <p:cNvSpPr>
+            <a:spLocks noGrp="1"/>
+          </p:cNvSpPr>
+          <p:nvPr>
+            <p:ph type="dt" sz="half" idx="10"/>
+          </p:nvPr>
+        </p:nvSpPr>
+        <p:spPr/>
+        <p:txBody>
+          <a:bodyPr/>
+          <a:lstStyle/>
+          <a:p>
+            <a:r>
+              <a:rPr lang="en-US" altLang="ko-KR" smtClean="0"/>
+              <a:t>2017</a:t>
+            </a:r>
+            <a:endParaRPr lang="ko-KR" altLang="en-US" dirty="0"/>
+          </a:p>
+        </p:txBody>
+      </p:sp>
+      <p:sp>
+        <p:nvSpPr>
+          <p:cNvPr id="4" name="바닥글 개체 틀 3"/>
+          <p:cNvSpPr>
+            <a:spLocks noGrp="1"/>
+          </p:cNvSpPr>
+          <p:nvPr>
+            <p:ph type="ftr" sz="quarter" idx="11"/>
+          </p:nvPr>
+        </p:nvSpPr>
+        <p:spPr/>
+        <p:txBody>
+          <a:bodyPr/>
+          <a:lstStyle/>
+          <a:p>
+            <a:r>
+              <a:rPr lang="en-US" altLang="ko-KR" smtClean="0"/>
+              <a:t>C#</a:t>
+            </a:r>
+            <a:r>
+              <a:rPr lang="ko-KR" altLang="en-US" smtClean="0"/>
+              <a:t>으로 클리커 게임 만들기</a:t>
+            </a:r>
+            <a:endParaRPr lang="ko-KR" altLang="en-US" dirty="0"/>
+          </a:p>
+        </p:txBody>
+      </p:sp>
+      <p:sp>
+        <p:nvSpPr>
+          <p:cNvPr id="5" name="슬라이드 번호 개체 틀 4"/>
+          <p:cNvSpPr>
+            <a:spLocks noGrp="1"/>
+          </p:cNvSpPr>
+          <p:nvPr>
+            <p:ph type="sldNum" sz="quarter" idx="12"/>
+          </p:nvPr>
+        </p:nvSpPr>
+        <p:spPr/>
+        <p:txBody>
+          <a:bodyPr/>
+          <a:lstStyle/>
+          <a:p>
+            <a:fld id="{BD08BC78-7EC0-4DE2-90D3-46ED29523797}" type="slidenum">
+              <a:rPr lang="ko-KR" altLang="en-US" smtClean="0"/>
+              <a:pPr/>
+              <a:t>‹#›</a:t>
+            </a:fld>
+            <a:endParaRPr lang="ko-KR" altLang="en-US"/>
+          </a:p>
+        </p:txBody>
+      </p:sp>
+      <p:pic>
+        <p:nvPicPr>
+          <p:cNvPr id="9" name="그림 8"/>
+          <p:cNvPicPr>
+            <a:picLocks noChangeAspect="1"/>
+          </p:cNvPicPr>
+          <p:nvPr userDrawn="1"/>
+        </p:nvPicPr>
+        <p:blipFill>
+          <a:blip r:embed="rId3" cstate="print">
+            <a:extLst>
+              <a:ext uri="{28A0092B-C50C-407E-A947-70E740481C1C}">
+                <a14:useLocalDpi xmlns:a14="http://schemas.microsoft.com/office/drawing/2010/main" val="0"/>
+              </a:ext>
+            </a:extLst>
+          </a:blip>
+          <a:stretch>
+            <a:fillRect/>
+          </a:stretch>
+        </p:blipFill>
+        <p:spPr>
+          <a:xfrm>
+            <a:off x="237345" y="231488"/>
+            <a:ext cx="1476003" cy="670033"/>
+          </a:xfrm>
+          <a:prstGeom prst="rect">
+            <a:avLst/>
+          </a:prstGeom>
+        </p:spPr>
+      </p:pic>
+    </p:spTree>
+    <p:extLst>
+      <p:ext uri="{BB962C8B-B14F-4D97-AF65-F5344CB8AC3E}">
+        <p14:creationId xmlns:p14="http://schemas.microsoft.com/office/powerpoint/2010/main" val="4033474592"/>
+      </p:ext>
+    </p:extLst>
+  </p:cSld>
+  <p:clrMapOvr>
+    <a:masterClrMapping/>
+  </p:clrMapOvr>
+  <p:timing>
+    <p:tnLst>
+      <p:par>
+        <p:cTn id="1" dur="indefinite" restart="never" nodeType="tmRoot"/>
+      </p:par>
+    </p:tnLst>
+  </p:timing>
+</p:sldLayout>
+</file>
+
+<file path=ppt/slideLayouts/slideLayout7.xml><?xml version="1.0" encoding="utf-8"?>
+<p:sldLayout xmlns:a="http://schemas.openxmlformats.org/drawingml/2006/main" xmlns:r="http://schemas.openxmlformats.org/officeDocument/2006/relationships" xmlns:p="http://schemas.openxmlformats.org/presentationml/2006/main" showMasterSp="0" preserve="1" userDrawn="1">
+  <p:cSld name="사용자 지정 레이아웃">
+    <p:bg>
+      <p:bgPr>
+        <a:solidFill>
+          <a:schemeClr val="bg1"/>
+        </a:solidFill>
+        <a:effectLst/>
+      </p:bgPr>
+    </p:bg>
+    <p:spTree>
+      <p:nvGrpSpPr>
+        <p:cNvPr id="1" name=""/>
+        <p:cNvGrpSpPr/>
+        <p:nvPr/>
+      </p:nvGrpSpPr>
+      <p:grpSpPr>
+        <a:xfrm>
+          <a:off x="0" y="0"/>
+          <a:ext cx="0" cy="0"/>
+          <a:chOff x="0" y="0"/>
+          <a:chExt cx="0" cy="0"/>
+        </a:xfrm>
+      </p:grpSpPr>
+      <p:sp>
+        <p:nvSpPr>
+          <p:cNvPr id="8" name="직사각형 7"/>
+          <p:cNvSpPr/>
+          <p:nvPr userDrawn="1"/>
+        </p:nvSpPr>
+        <p:spPr>
+          <a:xfrm>
+            <a:off x="0" y="6012873"/>
+            <a:ext cx="12192000" cy="845127"/>
+          </a:xfrm>
+          <a:prstGeom prst="rect">
+            <a:avLst/>
+          </a:prstGeom>
+          <a:gradFill flip="none" rotWithShape="1">
+            <a:gsLst>
+              <a:gs pos="0">
+                <a:srgbClr val="0EC4AC"/>
+              </a:gs>
+              <a:gs pos="100000">
+                <a:srgbClr val="139DBE"/>
+              </a:gs>
+            </a:gsLst>
+            <a:lin ang="0" scaled="1"/>
+            <a:tileRect/>
+          </a:gradFill>
+          <a:ln>
+            <a:noFill/>
+          </a:ln>
+        </p:spPr>
+        <p:style>
+          <a:lnRef idx="2">
+            <a:schemeClr val="accent1">
+              <a:shade val="50000"/>
+            </a:schemeClr>
+          </a:lnRef>
+          <a:fillRef idx="1">
+            <a:schemeClr val="accent1"/>
+          </a:fillRef>
+          <a:effectRef idx="0">
+            <a:schemeClr val="accent1"/>
+          </a:effectRef>
+          <a:fontRef idx="minor">
+            <a:schemeClr val="lt1"/>
+          </a:fontRef>
+        </p:style>
+        <p:txBody>
+          <a:bodyPr rtlCol="0" anchor="ctr"/>
+          <a:lstStyle/>
+          <a:p>
+            <a:pPr algn="ctr"/>
+            <a:endParaRPr lang="ko-KR" altLang="en-US"/>
+          </a:p>
+        </p:txBody>
+      </p:sp>
+      <p:sp>
+        <p:nvSpPr>
           <p:cNvPr id="3" name="날짜 개체 틀 2"/>
           <p:cNvSpPr>
             <a:spLocks noGrp="1"/>
@@ -1750,36 +2257,56 @@
       </p:sp>
       <p:sp>
         <p:nvSpPr>
-          <p:cNvPr id="10" name="내용 개체 틀 2"/>
-          <p:cNvSpPr>
-            <a:spLocks noGrp="1"/>
-          </p:cNvSpPr>
-          <p:nvPr>
-            <p:ph idx="1" hasCustomPrompt="1"/>
+          <p:cNvPr id="7" name="텍스트 개체 틀 6"/>
+          <p:cNvSpPr>
+            <a:spLocks noGrp="1"/>
+          </p:cNvSpPr>
+          <p:nvPr>
+            <p:ph type="body" sz="quarter" idx="13"/>
           </p:nvPr>
         </p:nvSpPr>
         <p:spPr>
           <a:xfrm>
-            <a:off x="935865" y="2144151"/>
-            <a:ext cx="10320270" cy="3416076"/>
+            <a:off x="935865" y="2141474"/>
+            <a:ext cx="10320270" cy="3418753"/>
           </a:xfrm>
         </p:spPr>
         <p:txBody>
-          <a:bodyPr>
-            <a:normAutofit/>
-          </a:bodyPr>
-          <a:lstStyle>
-            <a:lvl1pPr marL="0" indent="0">
-              <a:buFontTx/>
-              <a:buNone/>
-              <a:defRPr sz="2000"/>
-            </a:lvl1pPr>
-          </a:lstStyle>
+          <a:bodyPr/>
+          <a:lstStyle/>
           <a:p>
             <a:pPr lvl="0"/>
             <a:r>
               <a:rPr lang="ko-KR" altLang="en-US" dirty="0" smtClean="0"/>
-              <a:t>상세 교육 내용</a:t>
+              <a:t>마스터 텍스트 스타일 편집</a:t>
+            </a:r>
+          </a:p>
+          <a:p>
+            <a:pPr lvl="1"/>
+            <a:r>
+              <a:rPr lang="ko-KR" altLang="en-US" dirty="0" smtClean="0"/>
+              <a:t>둘째 수준</a:t>
+            </a:r>
+          </a:p>
+          <a:p>
+            <a:pPr lvl="2"/>
+            <a:r>
+              <a:rPr lang="ko-KR" altLang="en-US" dirty="0" smtClean="0"/>
+              <a:t>셋째 수준</a:t>
+            </a:r>
+          </a:p>
+          <a:p>
+            <a:pPr lvl="3"/>
+            <a:r>
+              <a:rPr lang="ko-KR" altLang="en-US" dirty="0" smtClean="0"/>
+              <a:t>넷째 수준</a:t>
+            </a:r>
+          </a:p>
+          <a:p>
+            <a:pPr lvl="4"/>
+            <a:r>
+              <a:rPr lang="ko-KR" altLang="en-US" dirty="0" smtClean="0"/>
+              <a:t>다섯째 수준</a:t>
             </a:r>
             <a:endParaRPr lang="ko-KR" altLang="en-US" dirty="0"/>
           </a:p>
@@ -1805,7 +2332,7 @@
 </p:sldLayout>
 </file>
 
-<file path=ppt/slideLayouts/slideLayout6.xml><?xml version="1.0" encoding="utf-8"?>
+<file path=ppt/slideLayouts/slideLayout8.xml><?xml version="1.0" encoding="utf-8"?>
 <p:sldLayout xmlns:a="http://schemas.openxmlformats.org/drawingml/2006/main" xmlns:r="http://schemas.openxmlformats.org/officeDocument/2006/relationships" xmlns:p="http://schemas.openxmlformats.org/presentationml/2006/main" showMasterSp="0" preserve="1" userDrawn="1">
   <p:cSld name="1_사용자 지정 레이아웃">
     <p:spTree>
@@ -1872,7 +2399,7 @@
 </p:sldLayout>
 </file>
 
-<file path=ppt/slideLayouts/slideLayout7.xml><?xml version="1.0" encoding="utf-8"?>
+<file path=ppt/slideLayouts/slideLayout9.xml><?xml version="1.0" encoding="utf-8"?>
 <p:sldLayout xmlns:a="http://schemas.openxmlformats.org/drawingml/2006/main" xmlns:r="http://schemas.openxmlformats.org/officeDocument/2006/relationships" xmlns:p="http://schemas.openxmlformats.org/presentationml/2006/main" showMasterSp="0" preserve="1" userDrawn="1">
   <p:cSld name="2_사용자 지정 레이아웃">
     <p:spTree>
@@ -2460,11 +2987,11 @@
           <p:nvPr userDrawn="1"/>
         </p:nvPicPr>
         <p:blipFill rotWithShape="1">
-          <a:blip r:embed="rId9">
+          <a:blip r:embed="rId11">
             <a:extLst>
               <a:ext uri="{BEBA8EAE-BF5A-486C-A8C5-ECC9F3942E4B}">
                 <a14:imgProps xmlns:a14="http://schemas.microsoft.com/office/drawing/2010/main">
-                  <a14:imgLayer r:embed="rId10">
+                  <a14:imgLayer r:embed="rId12">
                     <a14:imgEffect>
                       <a14:artisticBlur/>
                     </a14:imgEffect>
@@ -2499,9 +3026,11 @@
     <p:sldLayoutId id="2147483688" r:id="rId2"/>
     <p:sldLayoutId id="2147483690" r:id="rId3"/>
     <p:sldLayoutId id="2147483694" r:id="rId4"/>
-    <p:sldLayoutId id="2147483673" r:id="rId5"/>
-    <p:sldLayoutId id="2147483695" r:id="rId6"/>
-    <p:sldLayoutId id="2147483696" r:id="rId7"/>
+    <p:sldLayoutId id="2147483697" r:id="rId5"/>
+    <p:sldLayoutId id="2147483698" r:id="rId6"/>
+    <p:sldLayoutId id="2147483673" r:id="rId7"/>
+    <p:sldLayoutId id="2147483695" r:id="rId8"/>
+    <p:sldLayoutId id="2147483696" r:id="rId9"/>
   </p:sldLayoutIdLst>
   <p:timing>
     <p:tnLst>
@@ -2813,7 +3342,7 @@
       </p:grpSpPr>
       <p:sp>
         <p:nvSpPr>
-          <p:cNvPr id="4" name="날짜 개체 틀 3"/>
+          <p:cNvPr id="2" name="날짜 개체 틀 1"/>
           <p:cNvSpPr>
             <a:spLocks noGrp="1"/>
           </p:cNvSpPr>
@@ -2835,13 +3364,13 @@
               <a:rPr lang="en-US" altLang="ko-KR" smtClean="0"/>
               <a:t>2017</a:t>
             </a:r>
-            <a:endParaRPr lang="ko-KR" altLang="en-US"/>
-          </a:p>
-        </p:txBody>
-      </p:sp>
-      <p:sp>
-        <p:nvSpPr>
-          <p:cNvPr id="5" name="바닥글 개체 틀 4"/>
+            <a:endParaRPr lang="ko-KR" altLang="en-US" dirty="0"/>
+          </a:p>
+        </p:txBody>
+      </p:sp>
+      <p:sp>
+        <p:nvSpPr>
+          <p:cNvPr id="3" name="바닥글 개체 틀 2"/>
           <p:cNvSpPr>
             <a:spLocks noGrp="1"/>
           </p:cNvSpPr>
@@ -2873,7 +3402,7 @@
       </p:sp>
       <p:sp>
         <p:nvSpPr>
-          <p:cNvPr id="6" name="슬라이드 번호 개체 틀 5"/>
+          <p:cNvPr id="4" name="슬라이드 번호 개체 틀 3"/>
           <p:cNvSpPr>
             <a:spLocks noGrp="1"/>
           </p:cNvSpPr>
@@ -2893,6 +3422,7 @@
           <a:p>
             <a:fld id="{BD08BC78-7EC0-4DE2-90D3-46ED29523797}" type="slidenum">
               <a:rPr lang="ko-KR" altLang="en-US" smtClean="0"/>
+              <a:pPr/>
               <a:t>1</a:t>
             </a:fld>
             <a:endParaRPr lang="ko-KR" altLang="en-US"/>
@@ -2902,21 +3432,13 @@
     </p:spTree>
     <p:extLst>
       <p:ext uri="{BB962C8B-B14F-4D97-AF65-F5344CB8AC3E}">
-        <p14:creationId xmlns:p14="http://schemas.microsoft.com/office/powerpoint/2010/main" val="865271295"/>
+        <p14:creationId xmlns:p14="http://schemas.microsoft.com/office/powerpoint/2010/main" val="3576383366"/>
       </p:ext>
     </p:extLst>
   </p:cSld>
   <p:clrMapOvr>
     <a:masterClrMapping/>
   </p:clrMapOvr>
-  <mc:AlternateContent xmlns:mc="http://schemas.openxmlformats.org/markup-compatibility/2006" xmlns:p14="http://schemas.microsoft.com/office/powerpoint/2010/main">
-    <mc:Choice Requires="p14">
-      <p:transition spd="slow" p14:dur="2000"/>
-    </mc:Choice>
-    <mc:Fallback xmlns="">
-      <p:transition spd="slow"/>
-    </mc:Fallback>
-  </mc:AlternateContent>
   <p:timing>
     <p:tnLst>
       <p:par>
@@ -2946,7 +3468,7 @@
       </p:grpSpPr>
       <p:sp>
         <p:nvSpPr>
-          <p:cNvPr id="4" name="날짜 개체 틀 3"/>
+          <p:cNvPr id="2" name="날짜 개체 틀 1"/>
           <p:cNvSpPr>
             <a:spLocks noGrp="1"/>
           </p:cNvSpPr>
@@ -2969,7 +3491,7 @@
       </p:sp>
       <p:sp>
         <p:nvSpPr>
-          <p:cNvPr id="5" name="바닥글 개체 틀 4"/>
+          <p:cNvPr id="3" name="바닥글 개체 틀 2"/>
           <p:cNvSpPr>
             <a:spLocks noGrp="1"/>
           </p:cNvSpPr>
@@ -2996,7 +3518,7 @@
       </p:sp>
       <p:sp>
         <p:nvSpPr>
-          <p:cNvPr id="6" name="슬라이드 번호 개체 틀 5"/>
+          <p:cNvPr id="4" name="슬라이드 번호 개체 틀 3"/>
           <p:cNvSpPr>
             <a:spLocks noGrp="1"/>
           </p:cNvSpPr>
@@ -3059,7 +3581,7 @@
     </p:spTree>
     <p:extLst>
       <p:ext uri="{BB962C8B-B14F-4D97-AF65-F5344CB8AC3E}">
-        <p14:creationId xmlns:p14="http://schemas.microsoft.com/office/powerpoint/2010/main" val="3708118956"/>
+        <p14:creationId xmlns:p14="http://schemas.microsoft.com/office/powerpoint/2010/main" val="378587793"/>
       </p:ext>
     </p:extLst>
   </p:cSld>
@@ -3095,6 +3617,25 @@
       </p:grpSpPr>
       <p:sp>
         <p:nvSpPr>
+          <p:cNvPr id="7" name="제목 6"/>
+          <p:cNvSpPr>
+            <a:spLocks noGrp="1"/>
+          </p:cNvSpPr>
+          <p:nvPr>
+            <p:ph type="title"/>
+          </p:nvPr>
+        </p:nvSpPr>
+        <p:spPr/>
+        <p:txBody>
+          <a:bodyPr/>
+          <a:lstStyle/>
+          <a:p>
+            <a:endParaRPr lang="ko-KR" altLang="en-US"/>
+          </a:p>
+        </p:txBody>
+      </p:sp>
+      <p:sp>
+        <p:nvSpPr>
           <p:cNvPr id="2" name="날짜 개체 틀 1"/>
           <p:cNvSpPr>
             <a:spLocks noGrp="1"/>
@@ -3169,31 +3710,12 @@
       </p:sp>
       <p:sp>
         <p:nvSpPr>
-          <p:cNvPr id="7" name="제목 6"/>
-          <p:cNvSpPr>
-            <a:spLocks noGrp="1"/>
-          </p:cNvSpPr>
-          <p:nvPr>
-            <p:ph type="title"/>
-          </p:nvPr>
-        </p:nvSpPr>
-        <p:spPr/>
-        <p:txBody>
-          <a:bodyPr/>
-          <a:lstStyle/>
-          <a:p>
-            <a:endParaRPr lang="ko-KR" altLang="en-US"/>
-          </a:p>
-        </p:txBody>
-      </p:sp>
-      <p:sp>
-        <p:nvSpPr>
-          <p:cNvPr id="8" name="내용 개체 틀 7"/>
-          <p:cNvSpPr>
-            <a:spLocks noGrp="1"/>
-          </p:cNvSpPr>
-          <p:nvPr>
-            <p:ph idx="1"/>
+          <p:cNvPr id="8" name="텍스트 개체 틀 7"/>
+          <p:cNvSpPr>
+            <a:spLocks noGrp="1"/>
+          </p:cNvSpPr>
+          <p:nvPr>
+            <p:ph type="body" sz="quarter" idx="13"/>
           </p:nvPr>
         </p:nvSpPr>
         <p:spPr/>
@@ -3208,7 +3730,267 @@
     </p:spTree>
     <p:extLst>
       <p:ext uri="{BB962C8B-B14F-4D97-AF65-F5344CB8AC3E}">
-        <p14:creationId xmlns:p14="http://schemas.microsoft.com/office/powerpoint/2010/main" val="1390384785"/>
+        <p14:creationId xmlns:p14="http://schemas.microsoft.com/office/powerpoint/2010/main" val="1354311593"/>
+      </p:ext>
+    </p:extLst>
+  </p:cSld>
+  <p:clrMapOvr>
+    <a:masterClrMapping/>
+  </p:clrMapOvr>
+  <p:timing>
+    <p:tnLst>
+      <p:par>
+        <p:cTn id="1" dur="indefinite" restart="never" nodeType="tmRoot"/>
+      </p:par>
+    </p:tnLst>
+  </p:timing>
+</p:sld>
+</file>
+
+<file path=ppt/slides/slide4.xml><?xml version="1.0" encoding="utf-8"?>
+<p:sld xmlns:a="http://schemas.openxmlformats.org/drawingml/2006/main" xmlns:r="http://schemas.openxmlformats.org/officeDocument/2006/relationships" xmlns:p="http://schemas.openxmlformats.org/presentationml/2006/main">
+  <p:cSld>
+    <p:spTree>
+      <p:nvGrpSpPr>
+        <p:cNvPr id="1" name=""/>
+        <p:cNvGrpSpPr/>
+        <p:nvPr/>
+      </p:nvGrpSpPr>
+      <p:grpSpPr>
+        <a:xfrm>
+          <a:off x="0" y="0"/>
+          <a:ext cx="0" cy="0"/>
+          <a:chOff x="0" y="0"/>
+          <a:chExt cx="0" cy="0"/>
+        </a:xfrm>
+      </p:grpSpPr>
+      <p:sp>
+        <p:nvSpPr>
+          <p:cNvPr id="2" name="날짜 개체 틀 1"/>
+          <p:cNvSpPr>
+            <a:spLocks noGrp="1"/>
+          </p:cNvSpPr>
+          <p:nvPr>
+            <p:ph type="dt" sz="half" idx="10"/>
+          </p:nvPr>
+        </p:nvSpPr>
+        <p:spPr/>
+        <p:txBody>
+          <a:bodyPr/>
+          <a:lstStyle/>
+          <a:p>
+            <a:r>
+              <a:rPr lang="en-US" altLang="ko-KR" smtClean="0"/>
+              <a:t>2017</a:t>
+            </a:r>
+            <a:endParaRPr lang="ko-KR" altLang="en-US" dirty="0"/>
+          </a:p>
+        </p:txBody>
+      </p:sp>
+      <p:sp>
+        <p:nvSpPr>
+          <p:cNvPr id="3" name="바닥글 개체 틀 2"/>
+          <p:cNvSpPr>
+            <a:spLocks noGrp="1"/>
+          </p:cNvSpPr>
+          <p:nvPr>
+            <p:ph type="ftr" sz="quarter" idx="11"/>
+          </p:nvPr>
+        </p:nvSpPr>
+        <p:spPr/>
+        <p:txBody>
+          <a:bodyPr/>
+          <a:lstStyle/>
+          <a:p>
+            <a:r>
+              <a:rPr lang="en-US" altLang="ko-KR" smtClean="0"/>
+              <a:t>C#</a:t>
+            </a:r>
+            <a:r>
+              <a:rPr lang="ko-KR" altLang="en-US" smtClean="0"/>
+              <a:t>으로 클리커 게임 만들기</a:t>
+            </a:r>
+            <a:endParaRPr lang="ko-KR" altLang="en-US" dirty="0"/>
+          </a:p>
+        </p:txBody>
+      </p:sp>
+      <p:sp>
+        <p:nvSpPr>
+          <p:cNvPr id="4" name="슬라이드 번호 개체 틀 3"/>
+          <p:cNvSpPr>
+            <a:spLocks noGrp="1"/>
+          </p:cNvSpPr>
+          <p:nvPr>
+            <p:ph type="sldNum" sz="quarter" idx="12"/>
+          </p:nvPr>
+        </p:nvSpPr>
+        <p:spPr/>
+        <p:txBody>
+          <a:bodyPr/>
+          <a:lstStyle/>
+          <a:p>
+            <a:fld id="{BD08BC78-7EC0-4DE2-90D3-46ED29523797}" type="slidenum">
+              <a:rPr lang="ko-KR" altLang="en-US" smtClean="0"/>
+              <a:pPr/>
+              <a:t>4</a:t>
+            </a:fld>
+            <a:endParaRPr lang="ko-KR" altLang="en-US"/>
+          </a:p>
+        </p:txBody>
+      </p:sp>
+      <p:sp>
+        <p:nvSpPr>
+          <p:cNvPr id="7" name="제목 6"/>
+          <p:cNvSpPr>
+            <a:spLocks noGrp="1"/>
+          </p:cNvSpPr>
+          <p:nvPr>
+            <p:ph type="title"/>
+          </p:nvPr>
+        </p:nvSpPr>
+        <p:spPr/>
+        <p:txBody>
+          <a:bodyPr/>
+          <a:lstStyle/>
+          <a:p>
+            <a:endParaRPr lang="ko-KR" altLang="en-US"/>
+          </a:p>
+        </p:txBody>
+      </p:sp>
+      <p:sp>
+        <p:nvSpPr>
+          <p:cNvPr id="8" name="텍스트 개체 틀 7"/>
+          <p:cNvSpPr>
+            <a:spLocks noGrp="1"/>
+          </p:cNvSpPr>
+          <p:nvPr>
+            <p:ph type="body" sz="quarter" idx="13"/>
+          </p:nvPr>
+        </p:nvSpPr>
+        <p:spPr/>
+        <p:txBody>
+          <a:bodyPr/>
+          <a:lstStyle/>
+          <a:p>
+            <a:endParaRPr lang="ko-KR" altLang="en-US"/>
+          </a:p>
+        </p:txBody>
+      </p:sp>
+    </p:spTree>
+    <p:extLst>
+      <p:ext uri="{BB962C8B-B14F-4D97-AF65-F5344CB8AC3E}">
+        <p14:creationId xmlns:p14="http://schemas.microsoft.com/office/powerpoint/2010/main" val="1056463252"/>
+      </p:ext>
+    </p:extLst>
+  </p:cSld>
+  <p:clrMapOvr>
+    <a:masterClrMapping/>
+  </p:clrMapOvr>
+  <p:timing>
+    <p:tnLst>
+      <p:par>
+        <p:cTn id="1" dur="indefinite" restart="never" nodeType="tmRoot"/>
+      </p:par>
+    </p:tnLst>
+  </p:timing>
+</p:sld>
+</file>
+
+<file path=ppt/slides/slide5.xml><?xml version="1.0" encoding="utf-8"?>
+<p:sld xmlns:a="http://schemas.openxmlformats.org/drawingml/2006/main" xmlns:r="http://schemas.openxmlformats.org/officeDocument/2006/relationships" xmlns:p="http://schemas.openxmlformats.org/presentationml/2006/main">
+  <p:cSld>
+    <p:spTree>
+      <p:nvGrpSpPr>
+        <p:cNvPr id="1" name=""/>
+        <p:cNvGrpSpPr/>
+        <p:nvPr/>
+      </p:nvGrpSpPr>
+      <p:grpSpPr>
+        <a:xfrm>
+          <a:off x="0" y="0"/>
+          <a:ext cx="0" cy="0"/>
+          <a:chOff x="0" y="0"/>
+          <a:chExt cx="0" cy="0"/>
+        </a:xfrm>
+      </p:grpSpPr>
+      <p:sp>
+        <p:nvSpPr>
+          <p:cNvPr id="2" name="날짜 개체 틀 1"/>
+          <p:cNvSpPr>
+            <a:spLocks noGrp="1"/>
+          </p:cNvSpPr>
+          <p:nvPr>
+            <p:ph type="dt" sz="half" idx="10"/>
+          </p:nvPr>
+        </p:nvSpPr>
+        <p:spPr/>
+        <p:txBody>
+          <a:bodyPr/>
+          <a:lstStyle/>
+          <a:p>
+            <a:r>
+              <a:rPr lang="en-US" altLang="ko-KR" smtClean="0"/>
+              <a:t>2017</a:t>
+            </a:r>
+            <a:endParaRPr lang="ko-KR" altLang="en-US" dirty="0"/>
+          </a:p>
+        </p:txBody>
+      </p:sp>
+      <p:sp>
+        <p:nvSpPr>
+          <p:cNvPr id="3" name="바닥글 개체 틀 2"/>
+          <p:cNvSpPr>
+            <a:spLocks noGrp="1"/>
+          </p:cNvSpPr>
+          <p:nvPr>
+            <p:ph type="ftr" sz="quarter" idx="11"/>
+          </p:nvPr>
+        </p:nvSpPr>
+        <p:spPr/>
+        <p:txBody>
+          <a:bodyPr/>
+          <a:lstStyle/>
+          <a:p>
+            <a:r>
+              <a:rPr lang="en-US" altLang="ko-KR" smtClean="0"/>
+              <a:t>C#</a:t>
+            </a:r>
+            <a:r>
+              <a:rPr lang="ko-KR" altLang="en-US" smtClean="0"/>
+              <a:t>으로 클리커 게임 만들기</a:t>
+            </a:r>
+            <a:endParaRPr lang="ko-KR" altLang="en-US" dirty="0"/>
+          </a:p>
+        </p:txBody>
+      </p:sp>
+      <p:sp>
+        <p:nvSpPr>
+          <p:cNvPr id="4" name="슬라이드 번호 개체 틀 3"/>
+          <p:cNvSpPr>
+            <a:spLocks noGrp="1"/>
+          </p:cNvSpPr>
+          <p:nvPr>
+            <p:ph type="sldNum" sz="quarter" idx="12"/>
+          </p:nvPr>
+        </p:nvSpPr>
+        <p:spPr/>
+        <p:txBody>
+          <a:bodyPr/>
+          <a:lstStyle/>
+          <a:p>
+            <a:fld id="{BD08BC78-7EC0-4DE2-90D3-46ED29523797}" type="slidenum">
+              <a:rPr lang="ko-KR" altLang="en-US" smtClean="0"/>
+              <a:pPr/>
+              <a:t>5</a:t>
+            </a:fld>
+            <a:endParaRPr lang="ko-KR" altLang="en-US"/>
+          </a:p>
+        </p:txBody>
+      </p:sp>
+    </p:spTree>
+    <p:extLst>
+      <p:ext uri="{BB962C8B-B14F-4D97-AF65-F5344CB8AC3E}">
+        <p14:creationId xmlns:p14="http://schemas.microsoft.com/office/powerpoint/2010/main" val="1352421379"/>
       </p:ext>
     </p:extLst>
   </p:cSld>

--- a/PPT/sulivan_public_template.pptx
+++ b/PPT/sulivan_public_template.pptx
@@ -201,7 +201,7 @@
           <a:p>
             <a:fld id="{B8039FB8-6F18-436D-9454-D1944E32D5DF}" type="datetimeFigureOut">
               <a:rPr lang="ko-KR" altLang="en-US" smtClean="0"/>
-              <a:t>2017-11-15</a:t>
+              <a:t>2017-12-01</a:t>
             </a:fld>
             <a:endParaRPr lang="ko-KR" altLang="en-US"/>
           </a:p>

--- a/PPT/sulivan_public_template.pptx
+++ b/PPT/sulivan_public_template.pptx
@@ -201,7 +201,7 @@
           <a:p>
             <a:fld id="{B8039FB8-6F18-436D-9454-D1944E32D5DF}" type="datetimeFigureOut">
               <a:rPr lang="ko-KR" altLang="en-US" smtClean="0"/>
-              <a:t>2017-12-01</a:t>
+              <a:t>2017-12-20</a:t>
             </a:fld>
             <a:endParaRPr lang="ko-KR" altLang="en-US"/>
           </a:p>
@@ -2273,7 +2273,38 @@
         </p:spPr>
         <p:txBody>
           <a:bodyPr/>
-          <a:lstStyle/>
+          <a:lstStyle>
+            <a:lvl1pPr>
+              <a:lnSpc>
+                <a:spcPct val="150000"/>
+              </a:lnSpc>
+              <a:defRPr/>
+            </a:lvl1pPr>
+            <a:lvl2pPr>
+              <a:lnSpc>
+                <a:spcPct val="150000"/>
+              </a:lnSpc>
+              <a:defRPr/>
+            </a:lvl2pPr>
+            <a:lvl3pPr>
+              <a:lnSpc>
+                <a:spcPct val="150000"/>
+              </a:lnSpc>
+              <a:defRPr/>
+            </a:lvl3pPr>
+            <a:lvl4pPr>
+              <a:lnSpc>
+                <a:spcPct val="150000"/>
+              </a:lnSpc>
+              <a:defRPr/>
+            </a:lvl4pPr>
+            <a:lvl5pPr>
+              <a:lnSpc>
+                <a:spcPct val="150000"/>
+              </a:lnSpc>
+              <a:defRPr/>
+            </a:lvl5pPr>
+          </a:lstStyle>
           <a:p>
             <a:pPr lvl="0"/>
             <a:r>

--- a/PPT/sulivan_public_template.pptx
+++ b/PPT/sulivan_public_template.pptx
@@ -9,8 +9,8 @@
   </p:notesMasterIdLst>
   <p:sldIdLst>
     <p:sldId id="284" r:id="rId2"/>
-    <p:sldId id="285" r:id="rId3"/>
-    <p:sldId id="286" r:id="rId4"/>
+    <p:sldId id="286" r:id="rId3"/>
+    <p:sldId id="285" r:id="rId4"/>
     <p:sldId id="287" r:id="rId5"/>
     <p:sldId id="288" r:id="rId6"/>
   </p:sldIdLst>
@@ -119,6 +119,10 @@
 </p:presentation>
 </file>
 
+<file path=ppt/revisionInfo.xml><?xml version="1.0" encoding="utf-8"?>
+<p1510:revInfo xmlns:a="http://schemas.openxmlformats.org/drawingml/2006/main" xmlns:r="http://schemas.openxmlformats.org/officeDocument/2006/relationships" xmlns:p1510="http://schemas.microsoft.com/office/powerpoint/2015/10/main"/>
+</file>
+
 <file path=ppt/notesMasters/notesMaster1.xml><?xml version="1.0" encoding="utf-8"?>
 <p:notesMaster xmlns:a="http://schemas.openxmlformats.org/drawingml/2006/main" xmlns:r="http://schemas.openxmlformats.org/officeDocument/2006/relationships" xmlns:p="http://schemas.openxmlformats.org/presentationml/2006/main">
   <p:cSld>
@@ -201,7 +205,7 @@
           <a:p>
             <a:fld id="{B8039FB8-6F18-436D-9454-D1944E32D5DF}" type="datetimeFigureOut">
               <a:rPr lang="ko-KR" altLang="en-US" smtClean="0"/>
-              <a:t>2017-12-20</a:t>
+              <a:t>2018-01-01</a:t>
             </a:fld>
             <a:endParaRPr lang="ko-KR" altLang="en-US"/>
           </a:p>
@@ -265,38 +269,37 @@
           <a:p>
             <a:pPr lvl="0"/>
             <a:r>
-              <a:rPr lang="ko-KR" altLang="en-US" smtClean="0"/>
+              <a:rPr lang="ko-KR" altLang="en-US"/>
               <a:t>마스터 텍스트 스타일 편집</a:t>
             </a:r>
           </a:p>
           <a:p>
             <a:pPr lvl="1"/>
             <a:r>
-              <a:rPr lang="ko-KR" altLang="en-US" smtClean="0"/>
+              <a:rPr lang="ko-KR" altLang="en-US"/>
               <a:t>둘째 수준</a:t>
             </a:r>
           </a:p>
           <a:p>
             <a:pPr lvl="2"/>
             <a:r>
-              <a:rPr lang="ko-KR" altLang="en-US" smtClean="0"/>
+              <a:rPr lang="ko-KR" altLang="en-US"/>
               <a:t>셋째 수준</a:t>
             </a:r>
           </a:p>
           <a:p>
             <a:pPr lvl="3"/>
             <a:r>
-              <a:rPr lang="ko-KR" altLang="en-US" smtClean="0"/>
+              <a:rPr lang="ko-KR" altLang="en-US"/>
               <a:t>넷째 수준</a:t>
             </a:r>
           </a:p>
           <a:p>
             <a:pPr lvl="4"/>
             <a:r>
-              <a:rPr lang="ko-KR" altLang="en-US" smtClean="0"/>
+              <a:rPr lang="ko-KR" altLang="en-US"/>
               <a:t>다섯째 수준</a:t>
             </a:r>
-            <a:endParaRPr lang="ko-KR" altLang="en-US"/>
           </a:p>
         </p:txBody>
       </p:sp>
@@ -511,10 +514,9 @@
           </a:lstStyle>
           <a:p>
             <a:r>
-              <a:rPr lang="ko-KR" altLang="en-US" smtClean="0"/>
+              <a:rPr lang="ko-KR" altLang="en-US"/>
               <a:t>마스터 제목 스타일 편집</a:t>
             </a:r>
-            <a:endParaRPr lang="ko-KR" altLang="en-US"/>
           </a:p>
         </p:txBody>
       </p:sp>
@@ -576,10 +578,9 @@
           </a:lstStyle>
           <a:p>
             <a:r>
-              <a:rPr lang="ko-KR" altLang="en-US" smtClean="0"/>
+              <a:rPr lang="ko-KR" altLang="en-US"/>
               <a:t>클릭하여 마스터 부제목 스타일 편집</a:t>
             </a:r>
-            <a:endParaRPr lang="ko-KR" altLang="en-US"/>
           </a:p>
         </p:txBody>
       </p:sp>
@@ -599,7 +600,7 @@
           <a:lstStyle/>
           <a:p>
             <a:r>
-              <a:rPr lang="en-US" altLang="ko-KR" smtClean="0"/>
+              <a:rPr lang="en-US" altLang="ko-KR"/>
               <a:t>2017</a:t>
             </a:r>
             <a:endParaRPr lang="ko-KR" altLang="en-US" dirty="0"/>
@@ -622,11 +623,11 @@
           <a:lstStyle/>
           <a:p>
             <a:r>
-              <a:rPr lang="en-US" altLang="ko-KR" smtClean="0"/>
+              <a:rPr lang="en-US" altLang="ko-KR"/>
               <a:t>C#</a:t>
             </a:r>
             <a:r>
-              <a:rPr lang="ko-KR" altLang="en-US" smtClean="0"/>
+              <a:rPr lang="ko-KR" altLang="en-US"/>
               <a:t>으로 클리커 게임 만들기</a:t>
             </a:r>
             <a:endParaRPr lang="ko-KR" altLang="en-US" dirty="0"/>
@@ -667,13 +668,6 @@
   <p:clrMapOvr>
     <a:masterClrMapping/>
   </p:clrMapOvr>
-  <p:timing>
-    <p:tnLst>
-      <p:par>
-        <p:cTn id="1" dur="indefinite" restart="never" nodeType="tmRoot"/>
-      </p:par>
-    </p:tnLst>
-  </p:timing>
   <p:hf hdr="0"/>
 </p:sldLayout>
 </file>
@@ -711,21 +705,94 @@
           <a:lstStyle/>
           <a:p>
             <a:r>
-              <a:rPr lang="ko-KR" altLang="en-US" smtClean="0"/>
+              <a:rPr lang="ko-KR" altLang="en-US"/>
               <a:t>마스터 제목 스타일 편집</a:t>
             </a:r>
+          </a:p>
+        </p:txBody>
+      </p:sp>
+      <p:sp>
+        <p:nvSpPr>
+          <p:cNvPr id="3" name="내용 개체 틀 2"/>
+          <p:cNvSpPr>
+            <a:spLocks noGrp="1"/>
+          </p:cNvSpPr>
+          <p:nvPr>
+            <p:ph idx="1"/>
+          </p:nvPr>
+        </p:nvSpPr>
+        <p:spPr/>
+        <p:txBody>
+          <a:bodyPr/>
+          <a:lstStyle/>
+          <a:p>
+            <a:pPr lvl="0"/>
+            <a:r>
+              <a:rPr lang="ko-KR" altLang="en-US"/>
+              <a:t>마스터 텍스트 스타일 편집</a:t>
+            </a:r>
+          </a:p>
+          <a:p>
+            <a:pPr lvl="1"/>
+            <a:r>
+              <a:rPr lang="ko-KR" altLang="en-US"/>
+              <a:t>둘째 수준</a:t>
+            </a:r>
+          </a:p>
+          <a:p>
+            <a:pPr lvl="2"/>
+            <a:r>
+              <a:rPr lang="ko-KR" altLang="en-US"/>
+              <a:t>셋째 수준</a:t>
+            </a:r>
+          </a:p>
+          <a:p>
+            <a:pPr lvl="3"/>
+            <a:r>
+              <a:rPr lang="ko-KR" altLang="en-US"/>
+              <a:t>넷째 수준</a:t>
+            </a:r>
+          </a:p>
+          <a:p>
+            <a:pPr lvl="4"/>
+            <a:r>
+              <a:rPr lang="ko-KR" altLang="en-US"/>
+              <a:t>다섯째 수준</a:t>
+            </a:r>
+          </a:p>
+        </p:txBody>
+      </p:sp>
+      <p:sp>
+        <p:nvSpPr>
+          <p:cNvPr id="4" name="날짜 개체 틀 3"/>
+          <p:cNvSpPr>
+            <a:spLocks noGrp="1"/>
+          </p:cNvSpPr>
+          <p:nvPr>
+            <p:ph type="dt" sz="half" idx="10"/>
+          </p:nvPr>
+        </p:nvSpPr>
+        <p:spPr/>
+        <p:txBody>
+          <a:bodyPr/>
+          <a:lstStyle/>
+          <a:p>
+            <a:r>
+              <a:rPr lang="en-US" altLang="ko-KR"/>
+              <a:t>2017</a:t>
+            </a:r>
             <a:endParaRPr lang="ko-KR" altLang="en-US"/>
           </a:p>
         </p:txBody>
       </p:sp>
       <p:sp>
         <p:nvSpPr>
-          <p:cNvPr id="3" name="내용 개체 틀 2"/>
-          <p:cNvSpPr>
-            <a:spLocks noGrp="1"/>
-          </p:cNvSpPr>
-          <p:nvPr>
-            <p:ph idx="1"/>
+          <p:cNvPr id="5" name="바닥글 개체 틀 4"/>
+          <p:cNvSpPr>
+            <a:spLocks noGrp="1"/>
+          </p:cNvSpPr>
+          <p:nvPr>
+            <p:ph type="ftr" sz="quarter" idx="11"/>
           </p:nvPr>
         </p:nvSpPr>
         <p:spPr/>
@@ -733,87 +800,12 @@
           <a:bodyPr/>
           <a:lstStyle/>
           <a:p>
-            <a:pPr lvl="0"/>
-            <a:r>
-              <a:rPr lang="ko-KR" altLang="en-US" smtClean="0"/>
-              <a:t>마스터 텍스트 스타일 편집</a:t>
-            </a:r>
-          </a:p>
-          <a:p>
-            <a:pPr lvl="1"/>
-            <a:r>
-              <a:rPr lang="ko-KR" altLang="en-US" smtClean="0"/>
-              <a:t>둘째 수준</a:t>
-            </a:r>
-          </a:p>
-          <a:p>
-            <a:pPr lvl="2"/>
-            <a:r>
-              <a:rPr lang="ko-KR" altLang="en-US" smtClean="0"/>
-              <a:t>셋째 수준</a:t>
-            </a:r>
-          </a:p>
-          <a:p>
-            <a:pPr lvl="3"/>
-            <a:r>
-              <a:rPr lang="ko-KR" altLang="en-US" smtClean="0"/>
-              <a:t>넷째 수준</a:t>
-            </a:r>
-          </a:p>
-          <a:p>
-            <a:pPr lvl="4"/>
-            <a:r>
-              <a:rPr lang="ko-KR" altLang="en-US" smtClean="0"/>
-              <a:t>다섯째 수준</a:t>
-            </a:r>
-            <a:endParaRPr lang="ko-KR" altLang="en-US"/>
-          </a:p>
-        </p:txBody>
-      </p:sp>
-      <p:sp>
-        <p:nvSpPr>
-          <p:cNvPr id="4" name="날짜 개체 틀 3"/>
-          <p:cNvSpPr>
-            <a:spLocks noGrp="1"/>
-          </p:cNvSpPr>
-          <p:nvPr>
-            <p:ph type="dt" sz="half" idx="10"/>
-          </p:nvPr>
-        </p:nvSpPr>
-        <p:spPr/>
-        <p:txBody>
-          <a:bodyPr/>
-          <a:lstStyle/>
-          <a:p>
-            <a:r>
-              <a:rPr lang="en-US" altLang="ko-KR" smtClean="0"/>
-              <a:t>2017</a:t>
-            </a:r>
-            <a:endParaRPr lang="ko-KR" altLang="en-US"/>
-          </a:p>
-        </p:txBody>
-      </p:sp>
-      <p:sp>
-        <p:nvSpPr>
-          <p:cNvPr id="5" name="바닥글 개체 틀 4"/>
-          <p:cNvSpPr>
-            <a:spLocks noGrp="1"/>
-          </p:cNvSpPr>
-          <p:nvPr>
-            <p:ph type="ftr" sz="quarter" idx="11"/>
-          </p:nvPr>
-        </p:nvSpPr>
-        <p:spPr/>
-        <p:txBody>
-          <a:bodyPr/>
-          <a:lstStyle/>
-          <a:p>
-            <a:r>
-              <a:rPr lang="en-US" altLang="ko-KR" smtClean="0"/>
+            <a:r>
+              <a:rPr lang="en-US" altLang="ko-KR"/>
               <a:t>C#</a:t>
             </a:r>
             <a:r>
-              <a:rPr lang="ko-KR" altLang="en-US" smtClean="0"/>
+              <a:rPr lang="ko-KR" altLang="en-US"/>
               <a:t>으로 클리커 게임 만들기</a:t>
             </a:r>
             <a:endParaRPr lang="ko-KR" altLang="en-US" dirty="0"/>
@@ -879,13 +871,6 @@
   <p:transition>
     <p:push dir="u"/>
   </p:transition>
-  <p:timing>
-    <p:tnLst>
-      <p:par>
-        <p:cTn id="1" dur="indefinite" restart="never" nodeType="tmRoot"/>
-      </p:par>
-    </p:tnLst>
-  </p:timing>
 </p:sldLayout>
 </file>
 
@@ -922,10 +907,9 @@
           <a:lstStyle/>
           <a:p>
             <a:r>
-              <a:rPr lang="ko-KR" altLang="en-US" smtClean="0"/>
+              <a:rPr lang="ko-KR" altLang="en-US"/>
               <a:t>마스터 제목 스타일 편집</a:t>
             </a:r>
-            <a:endParaRPr lang="ko-KR" altLang="en-US"/>
           </a:p>
         </p:txBody>
       </p:sp>
@@ -951,38 +935,37 @@
           <a:p>
             <a:pPr lvl="0"/>
             <a:r>
-              <a:rPr lang="ko-KR" altLang="en-US" smtClean="0"/>
+              <a:rPr lang="ko-KR" altLang="en-US"/>
               <a:t>마스터 텍스트 스타일 편집</a:t>
             </a:r>
           </a:p>
           <a:p>
             <a:pPr lvl="1"/>
             <a:r>
-              <a:rPr lang="ko-KR" altLang="en-US" smtClean="0"/>
+              <a:rPr lang="ko-KR" altLang="en-US"/>
               <a:t>둘째 수준</a:t>
             </a:r>
           </a:p>
           <a:p>
             <a:pPr lvl="2"/>
             <a:r>
-              <a:rPr lang="ko-KR" altLang="en-US" smtClean="0"/>
+              <a:rPr lang="ko-KR" altLang="en-US"/>
               <a:t>셋째 수준</a:t>
             </a:r>
           </a:p>
           <a:p>
             <a:pPr lvl="3"/>
             <a:r>
-              <a:rPr lang="ko-KR" altLang="en-US" smtClean="0"/>
+              <a:rPr lang="ko-KR" altLang="en-US"/>
               <a:t>넷째 수준</a:t>
             </a:r>
           </a:p>
           <a:p>
             <a:pPr lvl="4"/>
             <a:r>
-              <a:rPr lang="ko-KR" altLang="en-US" smtClean="0"/>
+              <a:rPr lang="ko-KR" altLang="en-US"/>
               <a:t>다섯째 수준</a:t>
             </a:r>
-            <a:endParaRPr lang="ko-KR" altLang="en-US"/>
           </a:p>
         </p:txBody>
       </p:sp>
@@ -1008,49 +991,71 @@
           <a:p>
             <a:pPr lvl="0"/>
             <a:r>
-              <a:rPr lang="ko-KR" altLang="en-US" smtClean="0"/>
+              <a:rPr lang="ko-KR" altLang="en-US"/>
               <a:t>마스터 텍스트 스타일 편집</a:t>
             </a:r>
           </a:p>
           <a:p>
             <a:pPr lvl="1"/>
             <a:r>
-              <a:rPr lang="ko-KR" altLang="en-US" smtClean="0"/>
+              <a:rPr lang="ko-KR" altLang="en-US"/>
               <a:t>둘째 수준</a:t>
             </a:r>
           </a:p>
           <a:p>
             <a:pPr lvl="2"/>
             <a:r>
-              <a:rPr lang="ko-KR" altLang="en-US" smtClean="0"/>
+              <a:rPr lang="ko-KR" altLang="en-US"/>
               <a:t>셋째 수준</a:t>
             </a:r>
           </a:p>
           <a:p>
             <a:pPr lvl="3"/>
             <a:r>
-              <a:rPr lang="ko-KR" altLang="en-US" smtClean="0"/>
+              <a:rPr lang="ko-KR" altLang="en-US"/>
               <a:t>넷째 수준</a:t>
             </a:r>
           </a:p>
           <a:p>
             <a:pPr lvl="4"/>
             <a:r>
-              <a:rPr lang="ko-KR" altLang="en-US" smtClean="0"/>
+              <a:rPr lang="ko-KR" altLang="en-US"/>
               <a:t>다섯째 수준</a:t>
             </a:r>
+          </a:p>
+        </p:txBody>
+      </p:sp>
+      <p:sp>
+        <p:nvSpPr>
+          <p:cNvPr id="5" name="날짜 개체 틀 4"/>
+          <p:cNvSpPr>
+            <a:spLocks noGrp="1"/>
+          </p:cNvSpPr>
+          <p:nvPr>
+            <p:ph type="dt" sz="half" idx="10"/>
+          </p:nvPr>
+        </p:nvSpPr>
+        <p:spPr/>
+        <p:txBody>
+          <a:bodyPr/>
+          <a:lstStyle/>
+          <a:p>
+            <a:r>
+              <a:rPr lang="en-US" altLang="ko-KR"/>
+              <a:t>2017</a:t>
+            </a:r>
             <a:endParaRPr lang="ko-KR" altLang="en-US"/>
           </a:p>
         </p:txBody>
       </p:sp>
       <p:sp>
         <p:nvSpPr>
-          <p:cNvPr id="5" name="날짜 개체 틀 4"/>
-          <p:cNvSpPr>
-            <a:spLocks noGrp="1"/>
-          </p:cNvSpPr>
-          <p:nvPr>
-            <p:ph type="dt" sz="half" idx="10"/>
+          <p:cNvPr id="6" name="바닥글 개체 틀 5"/>
+          <p:cNvSpPr>
+            <a:spLocks noGrp="1"/>
+          </p:cNvSpPr>
+          <p:nvPr>
+            <p:ph type="ftr" sz="quarter" idx="11"/>
           </p:nvPr>
         </p:nvSpPr>
         <p:spPr/>
@@ -1059,37 +1064,13 @@
           <a:lstStyle/>
           <a:p>
             <a:r>
-              <a:rPr lang="en-US" altLang="ko-KR" smtClean="0"/>
-              <a:t>2017</a:t>
-            </a:r>
-            <a:endParaRPr lang="ko-KR" altLang="en-US"/>
-          </a:p>
-        </p:txBody>
-      </p:sp>
-      <p:sp>
-        <p:nvSpPr>
-          <p:cNvPr id="6" name="바닥글 개체 틀 5"/>
-          <p:cNvSpPr>
-            <a:spLocks noGrp="1"/>
-          </p:cNvSpPr>
-          <p:nvPr>
-            <p:ph type="ftr" sz="quarter" idx="11"/>
-          </p:nvPr>
-        </p:nvSpPr>
-        <p:spPr/>
-        <p:txBody>
-          <a:bodyPr/>
-          <a:lstStyle/>
-          <a:p>
-            <a:r>
-              <a:rPr lang="en-US" altLang="ko-KR" smtClean="0"/>
+              <a:rPr lang="en-US" altLang="ko-KR"/>
               <a:t>C#</a:t>
             </a:r>
             <a:r>
-              <a:rPr lang="ko-KR" altLang="en-US" smtClean="0"/>
+              <a:rPr lang="ko-KR" altLang="en-US"/>
               <a:t>으로 클리커 게임 만들기</a:t>
             </a:r>
-            <a:endParaRPr lang="ko-KR" altLang="en-US"/>
           </a:p>
         </p:txBody>
       </p:sp>
@@ -1149,13 +1130,6 @@
   <p:clrMapOvr>
     <a:masterClrMapping/>
   </p:clrMapOvr>
-  <p:timing>
-    <p:tnLst>
-      <p:par>
-        <p:cTn id="1" dur="indefinite" restart="never" nodeType="tmRoot"/>
-      </p:par>
-    </p:tnLst>
-  </p:timing>
 </p:sldLayout>
 </file>
 
@@ -1201,10 +1175,9 @@
           </a:lstStyle>
           <a:p>
             <a:r>
-              <a:rPr lang="ko-KR" altLang="en-US" smtClean="0"/>
+              <a:rPr lang="ko-KR" altLang="en-US"/>
               <a:t>마스터 제목 스타일 편집</a:t>
             </a:r>
-            <a:endParaRPr lang="ko-KR" altLang="en-US"/>
           </a:p>
         </p:txBody>
       </p:sp>
@@ -1258,38 +1231,37 @@
           <a:p>
             <a:pPr lvl="0"/>
             <a:r>
-              <a:rPr lang="ko-KR" altLang="en-US" smtClean="0"/>
+              <a:rPr lang="ko-KR" altLang="en-US"/>
               <a:t>마스터 텍스트 스타일 편집</a:t>
             </a:r>
           </a:p>
           <a:p>
             <a:pPr lvl="1"/>
             <a:r>
-              <a:rPr lang="ko-KR" altLang="en-US" smtClean="0"/>
+              <a:rPr lang="ko-KR" altLang="en-US"/>
               <a:t>둘째 수준</a:t>
             </a:r>
           </a:p>
           <a:p>
             <a:pPr lvl="2"/>
             <a:r>
-              <a:rPr lang="ko-KR" altLang="en-US" smtClean="0"/>
+              <a:rPr lang="ko-KR" altLang="en-US"/>
               <a:t>셋째 수준</a:t>
             </a:r>
           </a:p>
           <a:p>
             <a:pPr lvl="3"/>
             <a:r>
-              <a:rPr lang="ko-KR" altLang="en-US" smtClean="0"/>
+              <a:rPr lang="ko-KR" altLang="en-US"/>
               <a:t>넷째 수준</a:t>
             </a:r>
           </a:p>
           <a:p>
             <a:pPr lvl="4"/>
             <a:r>
-              <a:rPr lang="ko-KR" altLang="en-US" smtClean="0"/>
+              <a:rPr lang="ko-KR" altLang="en-US"/>
               <a:t>다섯째 수준</a:t>
             </a:r>
-            <a:endParaRPr lang="ko-KR" altLang="en-US"/>
           </a:p>
         </p:txBody>
       </p:sp>
@@ -1352,7 +1324,7 @@
           <a:p>
             <a:pPr lvl="0"/>
             <a:r>
-              <a:rPr lang="ko-KR" altLang="en-US" smtClean="0"/>
+              <a:rPr lang="ko-KR" altLang="en-US"/>
               <a:t>마스터 텍스트 스타일 편집</a:t>
             </a:r>
           </a:p>
@@ -1374,7 +1346,7 @@
           <a:lstStyle/>
           <a:p>
             <a:r>
-              <a:rPr lang="en-US" altLang="ko-KR" smtClean="0"/>
+              <a:rPr lang="en-US" altLang="ko-KR"/>
               <a:t>2017</a:t>
             </a:r>
             <a:endParaRPr lang="ko-KR" altLang="en-US"/>
@@ -1397,14 +1369,13 @@
           <a:lstStyle/>
           <a:p>
             <a:r>
-              <a:rPr lang="en-US" altLang="ko-KR" smtClean="0"/>
+              <a:rPr lang="en-US" altLang="ko-KR"/>
               <a:t>C#</a:t>
             </a:r>
             <a:r>
-              <a:rPr lang="ko-KR" altLang="en-US" smtClean="0"/>
+              <a:rPr lang="ko-KR" altLang="en-US"/>
               <a:t>으로 클리커 게임 만들기</a:t>
             </a:r>
-            <a:endParaRPr lang="ko-KR" altLang="en-US"/>
           </a:p>
         </p:txBody>
       </p:sp>
@@ -1464,13 +1435,6 @@
   <p:clrMapOvr>
     <a:masterClrMapping/>
   </p:clrMapOvr>
-  <p:timing>
-    <p:tnLst>
-      <p:par>
-        <p:cTn id="1" dur="indefinite" restart="never" nodeType="tmRoot"/>
-      </p:par>
-    </p:tnLst>
-  </p:timing>
 </p:sldLayout>
 </file>
 
@@ -1573,7 +1537,7 @@
           </a:lstStyle>
           <a:p>
             <a:r>
-              <a:rPr lang="ko-KR" altLang="en-US" smtClean="0"/>
+              <a:rPr lang="ko-KR" altLang="en-US"/>
               <a:t>주제</a:t>
             </a:r>
             <a:endParaRPr lang="ko-KR" altLang="en-US" dirty="0"/>
@@ -1596,7 +1560,7 @@
           <a:lstStyle/>
           <a:p>
             <a:r>
-              <a:rPr lang="en-US" altLang="ko-KR" smtClean="0"/>
+              <a:rPr lang="en-US" altLang="ko-KR"/>
               <a:t>2017</a:t>
             </a:r>
             <a:endParaRPr lang="ko-KR" altLang="en-US" dirty="0"/>
@@ -1619,11 +1583,11 @@
           <a:lstStyle/>
           <a:p>
             <a:r>
-              <a:rPr lang="en-US" altLang="ko-KR" smtClean="0"/>
+              <a:rPr lang="en-US" altLang="ko-KR"/>
               <a:t>C#</a:t>
             </a:r>
             <a:r>
-              <a:rPr lang="ko-KR" altLang="en-US" smtClean="0"/>
+              <a:rPr lang="ko-KR" altLang="en-US"/>
               <a:t>으로 클리커 게임 만들기</a:t>
             </a:r>
             <a:endParaRPr lang="ko-KR" altLang="en-US" dirty="0"/>
@@ -1715,7 +1679,7 @@
           <a:p>
             <a:pPr lvl="0"/>
             <a:r>
-              <a:rPr lang="ko-KR" altLang="en-US" dirty="0" err="1" smtClean="0"/>
+              <a:rPr lang="ko-KR" altLang="en-US" dirty="0" err="1"/>
               <a:t>부주제</a:t>
             </a:r>
             <a:endParaRPr lang="ko-KR" altLang="en-US" dirty="0"/>
@@ -1732,13 +1696,6 @@
   <p:clrMapOvr>
     <a:masterClrMapping/>
   </p:clrMapOvr>
-  <p:timing>
-    <p:tnLst>
-      <p:par>
-        <p:cTn id="1" dur="indefinite" restart="never" nodeType="tmRoot"/>
-      </p:par>
-    </p:tnLst>
-  </p:timing>
 </p:sldLayout>
 </file>
 
@@ -1871,7 +1828,7 @@
           <a:lstStyle/>
           <a:p>
             <a:r>
-              <a:rPr lang="en-US" altLang="ko-KR" smtClean="0"/>
+              <a:rPr lang="en-US" altLang="ko-KR"/>
               <a:t>2017</a:t>
             </a:r>
             <a:endParaRPr lang="ko-KR" altLang="en-US" dirty="0"/>
@@ -1894,11 +1851,11 @@
           <a:lstStyle/>
           <a:p>
             <a:r>
-              <a:rPr lang="en-US" altLang="ko-KR" smtClean="0"/>
+              <a:rPr lang="en-US" altLang="ko-KR"/>
               <a:t>C#</a:t>
             </a:r>
             <a:r>
-              <a:rPr lang="ko-KR" altLang="en-US" smtClean="0"/>
+              <a:rPr lang="ko-KR" altLang="en-US"/>
               <a:t>으로 클리커 게임 만들기</a:t>
             </a:r>
             <a:endParaRPr lang="ko-KR" altLang="en-US" dirty="0"/>
@@ -1969,13 +1926,6 @@
   <p:clrMapOvr>
     <a:masterClrMapping/>
   </p:clrMapOvr>
-  <p:timing>
-    <p:tnLst>
-      <p:par>
-        <p:cTn id="1" dur="indefinite" restart="never" nodeType="tmRoot"/>
-      </p:par>
-    </p:tnLst>
-  </p:timing>
 </p:sldLayout>
 </file>
 
@@ -2083,7 +2033,7 @@
           </a:lstStyle>
           <a:p>
             <a:r>
-              <a:rPr lang="en-US" altLang="ko-KR" smtClean="0"/>
+              <a:rPr lang="en-US" altLang="ko-KR"/>
               <a:t>2017</a:t>
             </a:r>
             <a:endParaRPr lang="ko-KR" altLang="en-US" dirty="0"/>
@@ -2114,22 +2064,21 @@
           </a:lstStyle>
           <a:p>
             <a:r>
-              <a:rPr lang="en-US" altLang="ko-KR" dirty="0" smtClean="0"/>
+              <a:rPr lang="en-US" altLang="ko-KR" dirty="0"/>
               <a:t>C#</a:t>
             </a:r>
             <a:r>
-              <a:rPr lang="ko-KR" altLang="en-US" dirty="0" smtClean="0"/>
+              <a:rPr lang="ko-KR" altLang="en-US" dirty="0"/>
               <a:t>으로 </a:t>
             </a:r>
             <a:r>
-              <a:rPr lang="ko-KR" altLang="en-US" dirty="0" err="1" smtClean="0"/>
+              <a:rPr lang="ko-KR" altLang="en-US" dirty="0" err="1"/>
               <a:t>클리커</a:t>
             </a:r>
             <a:r>
-              <a:rPr lang="ko-KR" altLang="en-US" dirty="0" smtClean="0"/>
+              <a:rPr lang="ko-KR" altLang="en-US" dirty="0"/>
               <a:t> 게임 만들기</a:t>
             </a:r>
-            <a:endParaRPr lang="ko-KR" altLang="en-US" dirty="0"/>
           </a:p>
         </p:txBody>
       </p:sp>
@@ -2232,7 +2181,7 @@
           </a:lstStyle>
           <a:p>
             <a:r>
-              <a:rPr lang="ko-KR" altLang="en-US" sz="4400" baseline="0" dirty="0" smtClean="0">
+              <a:rPr lang="ko-KR" altLang="en-US" sz="4400" baseline="0" dirty="0">
                 <a:solidFill>
                   <a:schemeClr val="tx1">
                     <a:lumMod val="75000"/>
@@ -2308,38 +2257,37 @@
           <a:p>
             <a:pPr lvl="0"/>
             <a:r>
-              <a:rPr lang="ko-KR" altLang="en-US" dirty="0" smtClean="0"/>
+              <a:rPr lang="ko-KR" altLang="en-US" dirty="0"/>
               <a:t>마스터 텍스트 스타일 편집</a:t>
             </a:r>
           </a:p>
           <a:p>
             <a:pPr lvl="1"/>
             <a:r>
-              <a:rPr lang="ko-KR" altLang="en-US" dirty="0" smtClean="0"/>
+              <a:rPr lang="ko-KR" altLang="en-US" dirty="0"/>
               <a:t>둘째 수준</a:t>
             </a:r>
           </a:p>
           <a:p>
             <a:pPr lvl="2"/>
             <a:r>
-              <a:rPr lang="ko-KR" altLang="en-US" dirty="0" smtClean="0"/>
+              <a:rPr lang="ko-KR" altLang="en-US" dirty="0"/>
               <a:t>셋째 수준</a:t>
             </a:r>
           </a:p>
           <a:p>
             <a:pPr lvl="3"/>
             <a:r>
-              <a:rPr lang="ko-KR" altLang="en-US" dirty="0" smtClean="0"/>
+              <a:rPr lang="ko-KR" altLang="en-US" dirty="0"/>
               <a:t>넷째 수준</a:t>
             </a:r>
           </a:p>
           <a:p>
             <a:pPr lvl="4"/>
             <a:r>
-              <a:rPr lang="ko-KR" altLang="en-US" dirty="0" smtClean="0"/>
+              <a:rPr lang="ko-KR" altLang="en-US" dirty="0"/>
               <a:t>다섯째 수준</a:t>
             </a:r>
-            <a:endParaRPr lang="ko-KR" altLang="en-US" dirty="0"/>
           </a:p>
         </p:txBody>
       </p:sp>
@@ -2353,13 +2301,6 @@
   <p:clrMapOvr>
     <a:masterClrMapping/>
   </p:clrMapOvr>
-  <p:timing>
-    <p:tnLst>
-      <p:par>
-        <p:cTn id="1" dur="indefinite" restart="never" nodeType="tmRoot"/>
-      </p:par>
-    </p:tnLst>
-  </p:timing>
 </p:sldLayout>
 </file>
 
@@ -2420,13 +2361,6 @@
   <p:clrMapOvr>
     <a:masterClrMapping/>
   </p:clrMapOvr>
-  <p:timing>
-    <p:tnLst>
-      <p:par>
-        <p:cTn id="1" dur="indefinite" restart="never" nodeType="tmRoot"/>
-      </p:par>
-    </p:tnLst>
-  </p:timing>
 </p:sldLayout>
 </file>
 
@@ -2526,7 +2460,7 @@
           </a:lstStyle>
           <a:p>
             <a:r>
-              <a:rPr lang="en-US" altLang="ko-KR" smtClean="0"/>
+              <a:rPr lang="en-US" altLang="ko-KR"/>
               <a:t>2017</a:t>
             </a:r>
             <a:endParaRPr lang="ko-KR" altLang="en-US" dirty="0"/>
@@ -2557,11 +2491,11 @@
           </a:lstStyle>
           <a:p>
             <a:r>
-              <a:rPr lang="en-US" altLang="ko-KR" smtClean="0"/>
+              <a:rPr lang="en-US" altLang="ko-KR"/>
               <a:t>C#</a:t>
             </a:r>
             <a:r>
-              <a:rPr lang="ko-KR" altLang="en-US" smtClean="0"/>
+              <a:rPr lang="ko-KR" altLang="en-US"/>
               <a:t>으로 클리커 게임 만들기</a:t>
             </a:r>
             <a:endParaRPr lang="ko-KR" altLang="en-US" dirty="0"/>
@@ -2631,26 +2565,25 @@
           <a:p>
             <a:pPr lvl="0"/>
             <a:r>
-              <a:rPr lang="ko-KR" altLang="en-US" dirty="0" smtClean="0"/>
+              <a:rPr lang="ko-KR" altLang="en-US" dirty="0"/>
               <a:t>문진호</a:t>
             </a:r>
             <a:r>
-              <a:rPr lang="en-US" altLang="ko-KR" dirty="0" smtClean="0"/>
+              <a:rPr lang="en-US" altLang="ko-KR" dirty="0"/>
               <a:t>, </a:t>
             </a:r>
             <a:r>
-              <a:rPr lang="ko-KR" altLang="en-US" dirty="0" err="1" smtClean="0"/>
+              <a:rPr lang="ko-KR" altLang="en-US" dirty="0" err="1"/>
               <a:t>임재민</a:t>
             </a:r>
             <a:r>
-              <a:rPr lang="en-US" altLang="ko-KR" dirty="0" smtClean="0"/>
+              <a:rPr lang="en-US" altLang="ko-KR" dirty="0"/>
               <a:t>, </a:t>
             </a:r>
             <a:r>
-              <a:rPr lang="ko-KR" altLang="en-US" dirty="0" smtClean="0"/>
+              <a:rPr lang="ko-KR" altLang="en-US" dirty="0"/>
               <a:t>연준모</a:t>
             </a:r>
-            <a:endParaRPr lang="ko-KR" altLang="en-US" dirty="0"/>
           </a:p>
         </p:txBody>
       </p:sp>
@@ -2725,19 +2658,19 @@
               <a:buNone/>
             </a:pPr>
             <a:r>
-              <a:rPr lang="en-US" altLang="ko-KR" sz="4400" dirty="0" smtClean="0"/>
+              <a:rPr lang="en-US" altLang="ko-KR" sz="4400" dirty="0"/>
               <a:t>N</a:t>
             </a:r>
             <a:r>
-              <a:rPr lang="ko-KR" altLang="en-US" sz="4400" dirty="0" smtClean="0"/>
+              <a:rPr lang="ko-KR" altLang="en-US" sz="4400" dirty="0"/>
               <a:t>강 </a:t>
             </a:r>
             <a:r>
-              <a:rPr lang="en-US" altLang="ko-KR" sz="4400" dirty="0" smtClean="0"/>
+              <a:rPr lang="en-US" altLang="ko-KR" sz="4400" dirty="0"/>
               <a:t>– </a:t>
             </a:r>
             <a:r>
-              <a:rPr lang="ko-KR" altLang="en-US" sz="4400" dirty="0" err="1" smtClean="0"/>
+              <a:rPr lang="ko-KR" altLang="en-US" sz="4400" dirty="0" err="1"/>
               <a:t>강의명</a:t>
             </a:r>
             <a:endParaRPr lang="ko-KR" altLang="en-US" sz="4400" dirty="0"/>
@@ -2754,13 +2687,6 @@
   <p:clrMapOvr>
     <a:masterClrMapping/>
   </p:clrMapOvr>
-  <p:timing>
-    <p:tnLst>
-      <p:par>
-        <p:cTn id="1" dur="indefinite" restart="never" nodeType="tmRoot"/>
-      </p:par>
-    </p:tnLst>
-  </p:timing>
 </p:sldLayout>
 </file>
 
@@ -2812,10 +2738,9 @@
           <a:lstStyle/>
           <a:p>
             <a:r>
-              <a:rPr lang="ko-KR" altLang="en-US" smtClean="0"/>
+              <a:rPr lang="ko-KR" altLang="en-US"/>
               <a:t>마스터 제목 스타일 편집</a:t>
             </a:r>
-            <a:endParaRPr lang="ko-KR" altLang="en-US"/>
           </a:p>
         </p:txBody>
       </p:sp>
@@ -2846,38 +2771,37 @@
           <a:p>
             <a:pPr lvl="0"/>
             <a:r>
-              <a:rPr lang="ko-KR" altLang="en-US" dirty="0" smtClean="0"/>
+              <a:rPr lang="ko-KR" altLang="en-US" dirty="0"/>
               <a:t>마스터 텍스트 스타일 편집</a:t>
             </a:r>
           </a:p>
           <a:p>
             <a:pPr lvl="1"/>
             <a:r>
-              <a:rPr lang="ko-KR" altLang="en-US" dirty="0" smtClean="0"/>
+              <a:rPr lang="ko-KR" altLang="en-US" dirty="0"/>
               <a:t>둘째 수준</a:t>
             </a:r>
           </a:p>
           <a:p>
             <a:pPr lvl="2"/>
             <a:r>
-              <a:rPr lang="ko-KR" altLang="en-US" dirty="0" smtClean="0"/>
+              <a:rPr lang="ko-KR" altLang="en-US" dirty="0"/>
               <a:t>셋째 수준</a:t>
             </a:r>
           </a:p>
           <a:p>
             <a:pPr lvl="3"/>
             <a:r>
-              <a:rPr lang="ko-KR" altLang="en-US" dirty="0" smtClean="0"/>
+              <a:rPr lang="ko-KR" altLang="en-US" dirty="0"/>
               <a:t>넷째 수준</a:t>
             </a:r>
           </a:p>
           <a:p>
             <a:pPr lvl="4"/>
             <a:r>
-              <a:rPr lang="ko-KR" altLang="en-US" dirty="0" smtClean="0"/>
+              <a:rPr lang="ko-KR" altLang="en-US" dirty="0"/>
               <a:t>다섯째 수준</a:t>
             </a:r>
-            <a:endParaRPr lang="ko-KR" altLang="en-US" dirty="0"/>
           </a:p>
         </p:txBody>
       </p:sp>
@@ -2915,7 +2839,7 @@
           </a:lstStyle>
           <a:p>
             <a:r>
-              <a:rPr lang="en-US" altLang="ko-KR" smtClean="0"/>
+              <a:rPr lang="en-US" altLang="ko-KR"/>
               <a:t>2017</a:t>
             </a:r>
             <a:endParaRPr lang="ko-KR" altLang="en-US" dirty="0"/>
@@ -2956,11 +2880,11 @@
           </a:lstStyle>
           <a:p>
             <a:r>
-              <a:rPr lang="en-US" altLang="ko-KR" smtClean="0"/>
+              <a:rPr lang="en-US" altLang="ko-KR"/>
               <a:t>C#</a:t>
             </a:r>
             <a:r>
-              <a:rPr lang="ko-KR" altLang="en-US" smtClean="0"/>
+              <a:rPr lang="ko-KR" altLang="en-US"/>
               <a:t>으로 클리커 게임 만들기</a:t>
             </a:r>
             <a:endParaRPr lang="ko-KR" altLang="en-US" dirty="0"/>
@@ -3063,13 +2987,6 @@
     <p:sldLayoutId id="2147483695" r:id="rId8"/>
     <p:sldLayoutId id="2147483696" r:id="rId9"/>
   </p:sldLayoutIdLst>
-  <p:timing>
-    <p:tnLst>
-      <p:par>
-        <p:cTn id="1" dur="indefinite" restart="never" nodeType="tmRoot"/>
-      </p:par>
-    </p:tnLst>
-  </p:timing>
   <p:hf hdr="0"/>
   <p:txStyles>
     <p:titleStyle>
@@ -3392,7 +3309,7 @@
           <a:lstStyle/>
           <a:p>
             <a:r>
-              <a:rPr lang="en-US" altLang="ko-KR" smtClean="0"/>
+              <a:rPr lang="en-US" altLang="ko-KR"/>
               <a:t>2017</a:t>
             </a:r>
             <a:endParaRPr lang="ko-KR" altLang="en-US" dirty="0"/>
@@ -3420,11 +3337,11 @@
           <a:lstStyle/>
           <a:p>
             <a:r>
-              <a:rPr lang="en-US" altLang="ko-KR" smtClean="0"/>
+              <a:rPr lang="en-US" altLang="ko-KR"/>
               <a:t>C#</a:t>
             </a:r>
             <a:r>
-              <a:rPr lang="ko-KR" altLang="en-US" smtClean="0"/>
+              <a:rPr lang="ko-KR" altLang="en-US"/>
               <a:t>으로 클리커 게임 만들기</a:t>
             </a:r>
             <a:endParaRPr lang="ko-KR" altLang="en-US" dirty="0"/>
@@ -3470,13 +3387,6 @@
   <p:clrMapOvr>
     <a:masterClrMapping/>
   </p:clrMapOvr>
-  <p:timing>
-    <p:tnLst>
-      <p:par>
-        <p:cTn id="1" dur="indefinite" restart="never" nodeType="tmRoot"/>
-      </p:par>
-    </p:tnLst>
-  </p:timing>
 </p:sld>
 </file>
 
@@ -3499,6 +3409,25 @@
       </p:grpSpPr>
       <p:sp>
         <p:nvSpPr>
+          <p:cNvPr id="7" name="제목 6"/>
+          <p:cNvSpPr>
+            <a:spLocks noGrp="1"/>
+          </p:cNvSpPr>
+          <p:nvPr>
+            <p:ph type="title"/>
+          </p:nvPr>
+        </p:nvSpPr>
+        <p:spPr/>
+        <p:txBody>
+          <a:bodyPr/>
+          <a:lstStyle/>
+          <a:p>
+            <a:endParaRPr lang="ko-KR" altLang="en-US"/>
+          </a:p>
+        </p:txBody>
+      </p:sp>
+      <p:sp>
+        <p:nvSpPr>
           <p:cNvPr id="2" name="날짜 개체 틀 1"/>
           <p:cNvSpPr>
             <a:spLocks noGrp="1"/>
@@ -3513,7 +3442,7 @@
           <a:lstStyle/>
           <a:p>
             <a:r>
-              <a:rPr lang="en-US" altLang="ko-KR" smtClean="0"/>
+              <a:rPr lang="en-US" altLang="ko-KR"/>
               <a:t>2017</a:t>
             </a:r>
             <a:endParaRPr lang="ko-KR" altLang="en-US" dirty="0"/>
@@ -3536,11 +3465,11 @@
           <a:lstStyle/>
           <a:p>
             <a:r>
-              <a:rPr lang="en-US" altLang="ko-KR" smtClean="0"/>
+              <a:rPr lang="en-US" altLang="ko-KR"/>
               <a:t>C#</a:t>
             </a:r>
             <a:r>
-              <a:rPr lang="ko-KR" altLang="en-US" smtClean="0"/>
+              <a:rPr lang="ko-KR" altLang="en-US"/>
               <a:t>으로 클리커 게임 만들기</a:t>
             </a:r>
             <a:endParaRPr lang="ko-KR" altLang="en-US" dirty="0"/>
@@ -3590,42 +3519,16 @@
           </a:p>
         </p:txBody>
       </p:sp>
-      <p:sp>
-        <p:nvSpPr>
-          <p:cNvPr id="7" name="제목 6"/>
-          <p:cNvSpPr>
-            <a:spLocks noGrp="1"/>
-          </p:cNvSpPr>
-          <p:nvPr>
-            <p:ph type="title"/>
-          </p:nvPr>
-        </p:nvSpPr>
-        <p:spPr/>
-        <p:txBody>
-          <a:bodyPr/>
-          <a:lstStyle/>
-          <a:p>
-            <a:endParaRPr lang="ko-KR" altLang="en-US"/>
-          </a:p>
-        </p:txBody>
-      </p:sp>
     </p:spTree>
     <p:extLst>
       <p:ext uri="{BB962C8B-B14F-4D97-AF65-F5344CB8AC3E}">
-        <p14:creationId xmlns:p14="http://schemas.microsoft.com/office/powerpoint/2010/main" val="378587793"/>
+        <p14:creationId xmlns:p14="http://schemas.microsoft.com/office/powerpoint/2010/main" val="1354311593"/>
       </p:ext>
     </p:extLst>
   </p:cSld>
   <p:clrMapOvr>
     <a:masterClrMapping/>
   </p:clrMapOvr>
-  <p:timing>
-    <p:tnLst>
-      <p:par>
-        <p:cTn id="1" dur="indefinite" restart="never" nodeType="tmRoot"/>
-      </p:par>
-    </p:tnLst>
-  </p:timing>
 </p:sld>
 </file>
 
@@ -3648,12 +3551,12 @@
       </p:grpSpPr>
       <p:sp>
         <p:nvSpPr>
-          <p:cNvPr id="7" name="제목 6"/>
-          <p:cNvSpPr>
-            <a:spLocks noGrp="1"/>
-          </p:cNvSpPr>
-          <p:nvPr>
-            <p:ph type="title"/>
+          <p:cNvPr id="2" name="날짜 개체 틀 1"/>
+          <p:cNvSpPr>
+            <a:spLocks noGrp="1"/>
+          </p:cNvSpPr>
+          <p:nvPr>
+            <p:ph type="dt" sz="half" idx="10"/>
           </p:nvPr>
         </p:nvSpPr>
         <p:spPr/>
@@ -3661,18 +3564,22 @@
           <a:bodyPr/>
           <a:lstStyle/>
           <a:p>
-            <a:endParaRPr lang="ko-KR" altLang="en-US"/>
-          </a:p>
-        </p:txBody>
-      </p:sp>
-      <p:sp>
-        <p:nvSpPr>
-          <p:cNvPr id="2" name="날짜 개체 틀 1"/>
-          <p:cNvSpPr>
-            <a:spLocks noGrp="1"/>
-          </p:cNvSpPr>
-          <p:nvPr>
-            <p:ph type="dt" sz="half" idx="10"/>
+            <a:r>
+              <a:rPr lang="en-US" altLang="ko-KR"/>
+              <a:t>2017</a:t>
+            </a:r>
+            <a:endParaRPr lang="ko-KR" altLang="en-US" dirty="0"/>
+          </a:p>
+        </p:txBody>
+      </p:sp>
+      <p:sp>
+        <p:nvSpPr>
+          <p:cNvPr id="3" name="바닥글 개체 틀 2"/>
+          <p:cNvSpPr>
+            <a:spLocks noGrp="1"/>
+          </p:cNvSpPr>
+          <p:nvPr>
+            <p:ph type="ftr" sz="quarter" idx="11"/>
           </p:nvPr>
         </p:nvSpPr>
         <p:spPr/>
@@ -3681,34 +3588,11 @@
           <a:lstStyle/>
           <a:p>
             <a:r>
-              <a:rPr lang="en-US" altLang="ko-KR" smtClean="0"/>
-              <a:t>2017</a:t>
-            </a:r>
-            <a:endParaRPr lang="ko-KR" altLang="en-US" dirty="0"/>
-          </a:p>
-        </p:txBody>
-      </p:sp>
-      <p:sp>
-        <p:nvSpPr>
-          <p:cNvPr id="3" name="바닥글 개체 틀 2"/>
-          <p:cNvSpPr>
-            <a:spLocks noGrp="1"/>
-          </p:cNvSpPr>
-          <p:nvPr>
-            <p:ph type="ftr" sz="quarter" idx="11"/>
-          </p:nvPr>
-        </p:nvSpPr>
-        <p:spPr/>
-        <p:txBody>
-          <a:bodyPr/>
-          <a:lstStyle/>
-          <a:p>
-            <a:r>
-              <a:rPr lang="en-US" altLang="ko-KR" smtClean="0"/>
+              <a:rPr lang="en-US" altLang="ko-KR"/>
               <a:t>C#</a:t>
             </a:r>
             <a:r>
-              <a:rPr lang="ko-KR" altLang="en-US" smtClean="0"/>
+              <a:rPr lang="ko-KR" altLang="en-US"/>
               <a:t>으로 클리커 게임 만들기</a:t>
             </a:r>
             <a:endParaRPr lang="ko-KR" altLang="en-US" dirty="0"/>
@@ -3758,23 +3642,35 @@
           </a:p>
         </p:txBody>
       </p:sp>
+      <p:sp>
+        <p:nvSpPr>
+          <p:cNvPr id="7" name="제목 6"/>
+          <p:cNvSpPr>
+            <a:spLocks noGrp="1"/>
+          </p:cNvSpPr>
+          <p:nvPr>
+            <p:ph type="title"/>
+          </p:nvPr>
+        </p:nvSpPr>
+        <p:spPr/>
+        <p:txBody>
+          <a:bodyPr/>
+          <a:lstStyle/>
+          <a:p>
+            <a:endParaRPr lang="ko-KR" altLang="en-US" dirty="0"/>
+          </a:p>
+        </p:txBody>
+      </p:sp>
     </p:spTree>
     <p:extLst>
       <p:ext uri="{BB962C8B-B14F-4D97-AF65-F5344CB8AC3E}">
-        <p14:creationId xmlns:p14="http://schemas.microsoft.com/office/powerpoint/2010/main" val="1354311593"/>
+        <p14:creationId xmlns:p14="http://schemas.microsoft.com/office/powerpoint/2010/main" val="378587793"/>
       </p:ext>
     </p:extLst>
   </p:cSld>
   <p:clrMapOvr>
     <a:masterClrMapping/>
   </p:clrMapOvr>
-  <p:timing>
-    <p:tnLst>
-      <p:par>
-        <p:cTn id="1" dur="indefinite" restart="never" nodeType="tmRoot"/>
-      </p:par>
-    </p:tnLst>
-  </p:timing>
 </p:sld>
 </file>
 
@@ -3811,7 +3707,7 @@
           <a:lstStyle/>
           <a:p>
             <a:r>
-              <a:rPr lang="en-US" altLang="ko-KR" smtClean="0"/>
+              <a:rPr lang="en-US" altLang="ko-KR"/>
               <a:t>2017</a:t>
             </a:r>
             <a:endParaRPr lang="ko-KR" altLang="en-US" dirty="0"/>
@@ -3834,11 +3730,11 @@
           <a:lstStyle/>
           <a:p>
             <a:r>
-              <a:rPr lang="en-US" altLang="ko-KR" smtClean="0"/>
+              <a:rPr lang="en-US" altLang="ko-KR"/>
               <a:t>C#</a:t>
             </a:r>
             <a:r>
-              <a:rPr lang="ko-KR" altLang="en-US" smtClean="0"/>
+              <a:rPr lang="ko-KR" altLang="en-US"/>
               <a:t>으로 클리커 게임 만들기</a:t>
             </a:r>
             <a:endParaRPr lang="ko-KR" altLang="en-US" dirty="0"/>
@@ -3917,13 +3813,6 @@
   <p:clrMapOvr>
     <a:masterClrMapping/>
   </p:clrMapOvr>
-  <p:timing>
-    <p:tnLst>
-      <p:par>
-        <p:cTn id="1" dur="indefinite" restart="never" nodeType="tmRoot"/>
-      </p:par>
-    </p:tnLst>
-  </p:timing>
 </p:sld>
 </file>
 
@@ -3960,7 +3849,7 @@
           <a:lstStyle/>
           <a:p>
             <a:r>
-              <a:rPr lang="en-US" altLang="ko-KR" smtClean="0"/>
+              <a:rPr lang="en-US" altLang="ko-KR"/>
               <a:t>2017</a:t>
             </a:r>
             <a:endParaRPr lang="ko-KR" altLang="en-US" dirty="0"/>
@@ -3983,11 +3872,11 @@
           <a:lstStyle/>
           <a:p>
             <a:r>
-              <a:rPr lang="en-US" altLang="ko-KR" smtClean="0"/>
+              <a:rPr lang="en-US" altLang="ko-KR"/>
               <a:t>C#</a:t>
             </a:r>
             <a:r>
-              <a:rPr lang="ko-KR" altLang="en-US" smtClean="0"/>
+              <a:rPr lang="ko-KR" altLang="en-US"/>
               <a:t>으로 클리커 게임 만들기</a:t>
             </a:r>
             <a:endParaRPr lang="ko-KR" altLang="en-US" dirty="0"/>
@@ -4028,13 +3917,6 @@
   <p:clrMapOvr>
     <a:masterClrMapping/>
   </p:clrMapOvr>
-  <p:timing>
-    <p:tnLst>
-      <p:par>
-        <p:cTn id="1" dur="indefinite" restart="never" nodeType="tmRoot"/>
-      </p:par>
-    </p:tnLst>
-  </p:timing>
 </p:sld>
 </file>
 
